--- a/cv.pptx
+++ b/cv.pptx
@@ -5894,8 +5894,21 @@
                   <a:schemeClr val="bg1"/>
                 </a:solidFill>
               </a:rPr>
-              <a:t>J’ai le sens de l’initiative et aime travailler en groupe.</a:t>
-            </a:r>
+              <a:t>J’ai le sens de l’initiative et aime travailler </a:t>
+            </a:r>
+            <a:r>
+              <a:rPr lang="fr-FR" sz="1500">
+                <a:solidFill>
+                  <a:schemeClr val="bg1"/>
+                </a:solidFill>
+              </a:rPr>
+              <a:t>en équipe.</a:t>
+            </a:r>
+            <a:endParaRPr lang="fr-FR" sz="1500" dirty="0">
+              <a:solidFill>
+                <a:schemeClr val="bg1"/>
+              </a:solidFill>
+            </a:endParaRPr>
           </a:p>
         </p:txBody>
       </p:sp>

--- a/cv.pptx
+++ b/cv.pptx
@@ -5859,7 +5859,7 @@
         <p:spPr>
           <a:xfrm>
             <a:off x="198409" y="2001407"/>
-            <a:ext cx="4459992" cy="1477328"/>
+            <a:ext cx="4459992" cy="1708160"/>
           </a:xfrm>
           <a:prstGeom prst="rect">
             <a:avLst/>
@@ -5894,87 +5894,50 @@
                   <a:schemeClr val="bg1"/>
                 </a:solidFill>
               </a:rPr>
-              <a:t>J’ai le sens de l’initiative et aime travailler </a:t>
-            </a:r>
-            <a:r>
-              <a:rPr lang="fr-FR" sz="1500">
+              <a:t>J’ai le sens de l’initiative et aime travailler en équipe.</a:t>
+            </a:r>
+          </a:p>
+          <a:p>
+            <a:pPr algn="just" defTabSz="685800">
+              <a:defRPr/>
+            </a:pPr>
+            <a:r>
+              <a:rPr lang="fr-FR" sz="1500" dirty="0">
                 <a:solidFill>
                   <a:schemeClr val="bg1"/>
                 </a:solidFill>
               </a:rPr>
-              <a:t>en équipe.</a:t>
+              <a:t>Mon portfolio : </a:t>
+            </a:r>
+            <a:r>
+              <a:rPr lang="fr-FR" sz="1500" dirty="0">
+                <a:solidFill>
+                  <a:schemeClr val="tx2">
+                    <a:lumMod val="20000"/>
+                    <a:lumOff val="80000"/>
+                  </a:schemeClr>
+                </a:solidFill>
+                <a:hlinkClick r:id="rId3">
+                  <a:extLst>
+                    <a:ext uri="{A12FA001-AC4F-418D-AE19-62706E023703}">
+                      <ahyp:hlinkClr xmlns:ahyp="http://schemas.microsoft.com/office/drawing/2018/hyperlinkcolor" val="tx"/>
+                    </a:ext>
+                  </a:extLst>
+                </a:hlinkClick>
+              </a:rPr>
+              <a:t>http://baptisteag.github.io/</a:t>
             </a:r>
             <a:endParaRPr lang="fr-FR" sz="1500" dirty="0">
               <a:solidFill>
-                <a:schemeClr val="bg1"/>
+                <a:schemeClr val="tx2">
+                  <a:lumMod val="20000"/>
+                  <a:lumOff val="80000"/>
+                </a:schemeClr>
               </a:solidFill>
             </a:endParaRPr>
           </a:p>
         </p:txBody>
       </p:sp>
-      <p:graphicFrame>
-        <p:nvGraphicFramePr>
-          <p:cNvPr id="3" name="Objet 2">
-            <a:extLst>
-              <a:ext uri="{FF2B5EF4-FFF2-40B4-BE49-F238E27FC236}">
-                <a16:creationId xmlns:a16="http://schemas.microsoft.com/office/drawing/2014/main" id="{FAAAA3B6-93B9-49F9-9010-56B2E4B70E81}"/>
-              </a:ext>
-            </a:extLst>
-          </p:cNvPr>
-          <p:cNvGraphicFramePr>
-            <a:graphicFrameLocks noChangeAspect="1"/>
-          </p:cNvGraphicFramePr>
-          <p:nvPr>
-            <p:extLst>
-              <p:ext uri="{D42A27DB-BD31-4B8C-83A1-F6EECF244321}">
-                <p14:modId xmlns:p14="http://schemas.microsoft.com/office/powerpoint/2010/main" val="1915866626"/>
-              </p:ext>
-            </p:extLst>
-          </p:nvPr>
-        </p:nvGraphicFramePr>
-        <p:xfrm>
-          <a:off x="5418999" y="1761469"/>
-          <a:ext cx="1452190" cy="1842077"/>
-        </p:xfrm>
-        <a:graphic>
-          <a:graphicData uri="http://schemas.openxmlformats.org/presentationml/2006/ole">
-            <mc:AlternateContent xmlns:mc="http://schemas.openxmlformats.org/markup-compatibility/2006">
-              <mc:Choice xmlns:v="urn:schemas-microsoft-com:vml" Requires="v">
-                <p:oleObj r:id="rId3" imgW="9726840" imgH="12317400" progId="">
-                  <p:embed/>
-                </p:oleObj>
-              </mc:Choice>
-              <mc:Fallback>
-                <p:oleObj r:id="rId3" imgW="9726840" imgH="12317400" progId="">
-                  <p:embed/>
-                  <p:pic>
-                    <p:nvPicPr>
-                      <p:cNvPr id="0" name=""/>
-                      <p:cNvPicPr/>
-                      <p:nvPr/>
-                    </p:nvPicPr>
-                    <p:blipFill>
-                      <a:blip r:embed="rId4"/>
-                      <a:stretch>
-                        <a:fillRect/>
-                      </a:stretch>
-                    </p:blipFill>
-                    <p:spPr>
-                      <a:xfrm>
-                        <a:off x="5418999" y="1761469"/>
-                        <a:ext cx="1452190" cy="1842077"/>
-                      </a:xfrm>
-                      <a:prstGeom prst="rect">
-                        <a:avLst/>
-                      </a:prstGeom>
-                    </p:spPr>
-                  </p:pic>
-                </p:oleObj>
-              </mc:Fallback>
-            </mc:AlternateContent>
-          </a:graphicData>
-        </a:graphic>
-      </p:graphicFrame>
       <p:sp>
         <p:nvSpPr>
           <p:cNvPr id="16" name="ZoneTexte 15">
@@ -6053,7 +6016,7 @@
                 <a:ea typeface="Times New Roman" charset="0"/>
                 <a:cs typeface="Times New Roman" charset="0"/>
               </a:rPr>
-              <a:t>Adobe Photoshop</a:t>
+              <a:t>Suite Adobe</a:t>
             </a:r>
           </a:p>
           <a:p>
@@ -6689,7 +6652,7 @@
         </p:nvSpPr>
         <p:spPr>
           <a:xfrm>
-            <a:off x="5115571" y="8698459"/>
+            <a:off x="5115571" y="8686884"/>
             <a:ext cx="1755617" cy="72977"/>
           </a:xfrm>
           <a:prstGeom prst="rect">
@@ -6895,6 +6858,35 @@
           </a:p>
         </p:txBody>
       </p:sp>
+      <p:pic>
+        <p:nvPicPr>
+          <p:cNvPr id="5" name="Image 4" descr="Une image contenant personne, homme, extérieur, debout&#10;&#10;Description générée automatiquement">
+            <a:extLst>
+              <a:ext uri="{FF2B5EF4-FFF2-40B4-BE49-F238E27FC236}">
+                <a16:creationId xmlns:a16="http://schemas.microsoft.com/office/drawing/2014/main" id="{AAD7C7E3-2978-495C-BB47-0A8B8EA5B1C5}"/>
+              </a:ext>
+            </a:extLst>
+          </p:cNvPr>
+          <p:cNvPicPr>
+            <a:picLocks noChangeAspect="1"/>
+          </p:cNvPicPr>
+          <p:nvPr/>
+        </p:nvPicPr>
+        <p:blipFill rotWithShape="1">
+          <a:blip r:embed="rId4"/>
+          <a:srcRect t="16736" b="18113"/>
+          <a:stretch/>
+        </p:blipFill>
+        <p:spPr>
+          <a:xfrm>
+            <a:off x="5188649" y="1775659"/>
+            <a:ext cx="1831479" cy="1789889"/>
+          </a:xfrm>
+          <a:prstGeom prst="rect">
+            <a:avLst/>
+          </a:prstGeom>
+        </p:spPr>
+      </p:pic>
     </p:spTree>
     <p:extLst>
       <p:ext uri="{BB962C8B-B14F-4D97-AF65-F5344CB8AC3E}">

--- a/cv.pptx
+++ b/cv.pptx
@@ -207,7 +207,7 @@
           </a:lstStyle>
           <a:p>
             <a:fld id="{6BFF9852-8A9D-FA43-9BC6-1FE6D867865C}" type="datetimeFigureOut">
-              <a:t>02/03/2021</a:t>
+              <a:t>03/03/2021</a:t>
             </a:fld>
             <a:endParaRPr lang="en-US"/>
           </a:p>
@@ -735,7 +735,7 @@
           <a:p>
             <a:fld id="{8CF0904D-930F-FD46-A326-BF7152BF9E0A}" type="datetimeFigureOut">
               <a:rPr lang="fr-FR" smtClean="0"/>
-              <a:t>02/03/2021</a:t>
+              <a:t>03/03/2021</a:t>
             </a:fld>
             <a:endParaRPr lang="fr-FR"/>
           </a:p>
@@ -903,7 +903,7 @@
           <a:p>
             <a:fld id="{8CF0904D-930F-FD46-A326-BF7152BF9E0A}" type="datetimeFigureOut">
               <a:rPr lang="fr-FR" smtClean="0"/>
-              <a:t>02/03/2021</a:t>
+              <a:t>03/03/2021</a:t>
             </a:fld>
             <a:endParaRPr lang="fr-FR"/>
           </a:p>
@@ -1081,7 +1081,7 @@
           <a:p>
             <a:fld id="{8CF0904D-930F-FD46-A326-BF7152BF9E0A}" type="datetimeFigureOut">
               <a:rPr lang="fr-FR" smtClean="0"/>
-              <a:t>02/03/2021</a:t>
+              <a:t>03/03/2021</a:t>
             </a:fld>
             <a:endParaRPr lang="fr-FR"/>
           </a:p>
@@ -1249,7 +1249,7 @@
           <a:p>
             <a:fld id="{8CF0904D-930F-FD46-A326-BF7152BF9E0A}" type="datetimeFigureOut">
               <a:rPr lang="fr-FR" smtClean="0"/>
-              <a:t>02/03/2021</a:t>
+              <a:t>03/03/2021</a:t>
             </a:fld>
             <a:endParaRPr lang="fr-FR"/>
           </a:p>
@@ -1494,7 +1494,7 @@
           <a:p>
             <a:fld id="{8CF0904D-930F-FD46-A326-BF7152BF9E0A}" type="datetimeFigureOut">
               <a:rPr lang="fr-FR" smtClean="0"/>
-              <a:t>02/03/2021</a:t>
+              <a:t>03/03/2021</a:t>
             </a:fld>
             <a:endParaRPr lang="fr-FR"/>
           </a:p>
@@ -1779,7 +1779,7 @@
           <a:p>
             <a:fld id="{8CF0904D-930F-FD46-A326-BF7152BF9E0A}" type="datetimeFigureOut">
               <a:rPr lang="fr-FR" smtClean="0"/>
-              <a:t>02/03/2021</a:t>
+              <a:t>03/03/2021</a:t>
             </a:fld>
             <a:endParaRPr lang="fr-FR"/>
           </a:p>
@@ -2203,7 +2203,7 @@
           <a:p>
             <a:fld id="{8CF0904D-930F-FD46-A326-BF7152BF9E0A}" type="datetimeFigureOut">
               <a:rPr lang="fr-FR" smtClean="0"/>
-              <a:t>02/03/2021</a:t>
+              <a:t>03/03/2021</a:t>
             </a:fld>
             <a:endParaRPr lang="fr-FR"/>
           </a:p>
@@ -2320,7 +2320,7 @@
           <a:p>
             <a:fld id="{8CF0904D-930F-FD46-A326-BF7152BF9E0A}" type="datetimeFigureOut">
               <a:rPr lang="fr-FR" smtClean="0"/>
-              <a:t>02/03/2021</a:t>
+              <a:t>03/03/2021</a:t>
             </a:fld>
             <a:endParaRPr lang="fr-FR"/>
           </a:p>
@@ -2415,7 +2415,7 @@
           <a:p>
             <a:fld id="{8CF0904D-930F-FD46-A326-BF7152BF9E0A}" type="datetimeFigureOut">
               <a:rPr lang="fr-FR" smtClean="0"/>
-              <a:t>02/03/2021</a:t>
+              <a:t>03/03/2021</a:t>
             </a:fld>
             <a:endParaRPr lang="fr-FR"/>
           </a:p>
@@ -2690,7 +2690,7 @@
           <a:p>
             <a:fld id="{8CF0904D-930F-FD46-A326-BF7152BF9E0A}" type="datetimeFigureOut">
               <a:rPr lang="fr-FR" smtClean="0"/>
-              <a:t>02/03/2021</a:t>
+              <a:t>03/03/2021</a:t>
             </a:fld>
             <a:endParaRPr lang="fr-FR"/>
           </a:p>
@@ -2942,7 +2942,7 @@
           <a:p>
             <a:fld id="{8CF0904D-930F-FD46-A326-BF7152BF9E0A}" type="datetimeFigureOut">
               <a:rPr lang="fr-FR" smtClean="0"/>
-              <a:t>02/03/2021</a:t>
+              <a:t>03/03/2021</a:t>
             </a:fld>
             <a:endParaRPr lang="fr-FR"/>
           </a:p>
@@ -3153,7 +3153,7 @@
           <a:p>
             <a:fld id="{8CF0904D-930F-FD46-A326-BF7152BF9E0A}" type="datetimeFigureOut">
               <a:rPr lang="fr-FR" smtClean="0"/>
-              <a:t>02/03/2021</a:t>
+              <a:t>03/03/2021</a:t>
             </a:fld>
             <a:endParaRPr lang="fr-FR"/>
           </a:p>
@@ -4426,14 +4426,14 @@
           <p:nvPr>
             <p:extLst>
               <p:ext uri="{D42A27DB-BD31-4B8C-83A1-F6EECF244321}">
-                <p14:modId xmlns:p14="http://schemas.microsoft.com/office/powerpoint/2010/main" val="2032487456"/>
+                <p14:modId xmlns:p14="http://schemas.microsoft.com/office/powerpoint/2010/main" val="3599434166"/>
               </p:ext>
             </p:extLst>
           </p:nvPr>
         </p:nvGraphicFramePr>
         <p:xfrm>
           <a:off x="844288" y="4871555"/>
-          <a:ext cx="3870690" cy="2938540"/>
+          <a:ext cx="3870690" cy="2943749"/>
         </p:xfrm>
         <a:graphic>
           <a:graphicData uri="http://schemas.openxmlformats.org/drawingml/2006/table">
@@ -4821,7 +4821,7 @@
                           <a:ea typeface="Times New Roman" charset="0"/>
                           <a:cs typeface="Times New Roman" charset="0"/>
                         </a:rPr>
-                        <a:t>Avec un petit groupe d’élèves de l’IUT nous avons créer un site web / e-commerce pour l’entreprise Créa-Cuisine.</a:t>
+                        <a:t>Avec un petit groupe d’élèves de l’IUT nous avons créé un site web / e-commerce pour l’entreprise Créa-Cuisine avec WordPress.</a:t>
                       </a:r>
                     </a:p>
                   </a:txBody>
@@ -4971,7 +4971,7 @@
                           <a:ea typeface="Times New Roman" charset="0"/>
                           <a:cs typeface="Times New Roman" charset="0"/>
                         </a:rPr>
-                        <a:t>J’ai travaillé à Laser 3000 en tant que travail d’été afin de remplacer et réparer des babyfoots, billards, flippeurs et autres jeux d’arcade présents dans des lieux publics.</a:t>
+                        <a:t>J’ai travaillé à Laser 3000 l’été afin de remplacer et réparer des babyfoots, billards, flippeurs et autres jeux d’arcade présents dans des lieux publics.</a:t>
                       </a:r>
                     </a:p>
                   </a:txBody>
@@ -5881,7 +5881,7 @@
                   <a:schemeClr val="bg1"/>
                 </a:solidFill>
               </a:rPr>
-              <a:t>Je recherche une alternance en parallèle a ma formation Prépa Mastère Digital dans  le web. Je m’y intéresse depuis longtemps et je cherche actuellement à me spécialiser en mélangeant ma passion et le monde du travail. </a:t>
+              <a:t>Je recherche une alternance en parallèle à ma formation Prépa Mastère Digital dans  le web. Je m’y intéresse depuis longtemps et je cherche actuellement à me spécialiser en mélangeant ma passion et le monde du travail. </a:t>
             </a:r>
           </a:p>
           <a:p>
@@ -6652,7 +6652,7 @@
         </p:nvSpPr>
         <p:spPr>
           <a:xfrm>
-            <a:off x="5115571" y="8686884"/>
+            <a:off x="5115571" y="8694504"/>
             <a:ext cx="1755617" cy="72977"/>
           </a:xfrm>
           <a:prstGeom prst="rect">

--- a/cv.pptx
+++ b/cv.pptx
@@ -207,7 +207,7 @@
           </a:lstStyle>
           <a:p>
             <a:fld id="{6BFF9852-8A9D-FA43-9BC6-1FE6D867865C}" type="datetimeFigureOut">
-              <a:t>03/03/2021</a:t>
+              <a:t>09/03/2021</a:t>
             </a:fld>
             <a:endParaRPr lang="en-US"/>
           </a:p>
@@ -735,7 +735,7 @@
           <a:p>
             <a:fld id="{8CF0904D-930F-FD46-A326-BF7152BF9E0A}" type="datetimeFigureOut">
               <a:rPr lang="fr-FR" smtClean="0"/>
-              <a:t>03/03/2021</a:t>
+              <a:t>09/03/2021</a:t>
             </a:fld>
             <a:endParaRPr lang="fr-FR"/>
           </a:p>
@@ -903,7 +903,7 @@
           <a:p>
             <a:fld id="{8CF0904D-930F-FD46-A326-BF7152BF9E0A}" type="datetimeFigureOut">
               <a:rPr lang="fr-FR" smtClean="0"/>
-              <a:t>03/03/2021</a:t>
+              <a:t>09/03/2021</a:t>
             </a:fld>
             <a:endParaRPr lang="fr-FR"/>
           </a:p>
@@ -1081,7 +1081,7 @@
           <a:p>
             <a:fld id="{8CF0904D-930F-FD46-A326-BF7152BF9E0A}" type="datetimeFigureOut">
               <a:rPr lang="fr-FR" smtClean="0"/>
-              <a:t>03/03/2021</a:t>
+              <a:t>09/03/2021</a:t>
             </a:fld>
             <a:endParaRPr lang="fr-FR"/>
           </a:p>
@@ -1249,7 +1249,7 @@
           <a:p>
             <a:fld id="{8CF0904D-930F-FD46-A326-BF7152BF9E0A}" type="datetimeFigureOut">
               <a:rPr lang="fr-FR" smtClean="0"/>
-              <a:t>03/03/2021</a:t>
+              <a:t>09/03/2021</a:t>
             </a:fld>
             <a:endParaRPr lang="fr-FR"/>
           </a:p>
@@ -1494,7 +1494,7 @@
           <a:p>
             <a:fld id="{8CF0904D-930F-FD46-A326-BF7152BF9E0A}" type="datetimeFigureOut">
               <a:rPr lang="fr-FR" smtClean="0"/>
-              <a:t>03/03/2021</a:t>
+              <a:t>09/03/2021</a:t>
             </a:fld>
             <a:endParaRPr lang="fr-FR"/>
           </a:p>
@@ -1779,7 +1779,7 @@
           <a:p>
             <a:fld id="{8CF0904D-930F-FD46-A326-BF7152BF9E0A}" type="datetimeFigureOut">
               <a:rPr lang="fr-FR" smtClean="0"/>
-              <a:t>03/03/2021</a:t>
+              <a:t>09/03/2021</a:t>
             </a:fld>
             <a:endParaRPr lang="fr-FR"/>
           </a:p>
@@ -2203,7 +2203,7 @@
           <a:p>
             <a:fld id="{8CF0904D-930F-FD46-A326-BF7152BF9E0A}" type="datetimeFigureOut">
               <a:rPr lang="fr-FR" smtClean="0"/>
-              <a:t>03/03/2021</a:t>
+              <a:t>09/03/2021</a:t>
             </a:fld>
             <a:endParaRPr lang="fr-FR"/>
           </a:p>
@@ -2320,7 +2320,7 @@
           <a:p>
             <a:fld id="{8CF0904D-930F-FD46-A326-BF7152BF9E0A}" type="datetimeFigureOut">
               <a:rPr lang="fr-FR" smtClean="0"/>
-              <a:t>03/03/2021</a:t>
+              <a:t>09/03/2021</a:t>
             </a:fld>
             <a:endParaRPr lang="fr-FR"/>
           </a:p>
@@ -2415,7 +2415,7 @@
           <a:p>
             <a:fld id="{8CF0904D-930F-FD46-A326-BF7152BF9E0A}" type="datetimeFigureOut">
               <a:rPr lang="fr-FR" smtClean="0"/>
-              <a:t>03/03/2021</a:t>
+              <a:t>09/03/2021</a:t>
             </a:fld>
             <a:endParaRPr lang="fr-FR"/>
           </a:p>
@@ -2690,7 +2690,7 @@
           <a:p>
             <a:fld id="{8CF0904D-930F-FD46-A326-BF7152BF9E0A}" type="datetimeFigureOut">
               <a:rPr lang="fr-FR" smtClean="0"/>
-              <a:t>03/03/2021</a:t>
+              <a:t>09/03/2021</a:t>
             </a:fld>
             <a:endParaRPr lang="fr-FR"/>
           </a:p>
@@ -2942,7 +2942,7 @@
           <a:p>
             <a:fld id="{8CF0904D-930F-FD46-A326-BF7152BF9E0A}" type="datetimeFigureOut">
               <a:rPr lang="fr-FR" smtClean="0"/>
-              <a:t>03/03/2021</a:t>
+              <a:t>09/03/2021</a:t>
             </a:fld>
             <a:endParaRPr lang="fr-FR"/>
           </a:p>
@@ -3153,7 +3153,7 @@
           <a:p>
             <a:fld id="{8CF0904D-930F-FD46-A326-BF7152BF9E0A}" type="datetimeFigureOut">
               <a:rPr lang="fr-FR" smtClean="0"/>
-              <a:t>03/03/2021</a:t>
+              <a:t>09/03/2021</a:t>
             </a:fld>
             <a:endParaRPr lang="fr-FR"/>
           </a:p>
@@ -5881,7 +5881,7 @@
                   <a:schemeClr val="bg1"/>
                 </a:solidFill>
               </a:rPr>
-              <a:t>Je recherche une alternance en parallèle à ma formation Prépa Mastère Digital dans  le web. Je m’y intéresse depuis longtemps et je cherche actuellement à me spécialiser en mélangeant ma passion et le monde du travail. </a:t>
+              <a:t>Je recherche une alternance ou un stage de fin d’année pour ma formation Prépa Mastère Digital, de préférence dans le web. Je m’y intéresse depuis longtemps et je cherche actuellement à me spécialiser en mélangeant ma passion et le monde du travail. </a:t>
             </a:r>
           </a:p>
           <a:p>
@@ -6496,7 +6496,7 @@
         </p:nvSpPr>
         <p:spPr>
           <a:xfrm>
-            <a:off x="5115572" y="7569115"/>
+            <a:off x="5115572" y="7555467"/>
             <a:ext cx="1313188" cy="71147"/>
           </a:xfrm>
           <a:prstGeom prst="rect">

--- a/cv.pptx
+++ b/cv.pptx
@@ -3704,7 +3704,7 @@
           <a:lstStyle/>
           <a:p>
             <a:pPr algn="ctr"/>
-            <a:endParaRPr lang="en-US"/>
+            <a:endParaRPr lang="en-US" dirty="0"/>
           </a:p>
         </p:txBody>
       </p:sp>
@@ -6496,7 +6496,7 @@
         </p:nvSpPr>
         <p:spPr>
           <a:xfrm>
-            <a:off x="5115572" y="7555467"/>
+            <a:off x="5117953" y="7567372"/>
             <a:ext cx="1313188" cy="71147"/>
           </a:xfrm>
           <a:prstGeom prst="rect">

--- a/cv.pptx
+++ b/cv.pptx
@@ -207,7 +207,7 @@
           </a:lstStyle>
           <a:p>
             <a:fld id="{6BFF9852-8A9D-FA43-9BC6-1FE6D867865C}" type="datetimeFigureOut">
-              <a:t>09/03/2021</a:t>
+              <a:t>22/03/2021</a:t>
             </a:fld>
             <a:endParaRPr lang="en-US"/>
           </a:p>
@@ -735,7 +735,7 @@
           <a:p>
             <a:fld id="{8CF0904D-930F-FD46-A326-BF7152BF9E0A}" type="datetimeFigureOut">
               <a:rPr lang="fr-FR" smtClean="0"/>
-              <a:t>09/03/2021</a:t>
+              <a:t>22/03/2021</a:t>
             </a:fld>
             <a:endParaRPr lang="fr-FR"/>
           </a:p>
@@ -903,7 +903,7 @@
           <a:p>
             <a:fld id="{8CF0904D-930F-FD46-A326-BF7152BF9E0A}" type="datetimeFigureOut">
               <a:rPr lang="fr-FR" smtClean="0"/>
-              <a:t>09/03/2021</a:t>
+              <a:t>22/03/2021</a:t>
             </a:fld>
             <a:endParaRPr lang="fr-FR"/>
           </a:p>
@@ -1081,7 +1081,7 @@
           <a:p>
             <a:fld id="{8CF0904D-930F-FD46-A326-BF7152BF9E0A}" type="datetimeFigureOut">
               <a:rPr lang="fr-FR" smtClean="0"/>
-              <a:t>09/03/2021</a:t>
+              <a:t>22/03/2021</a:t>
             </a:fld>
             <a:endParaRPr lang="fr-FR"/>
           </a:p>
@@ -1249,7 +1249,7 @@
           <a:p>
             <a:fld id="{8CF0904D-930F-FD46-A326-BF7152BF9E0A}" type="datetimeFigureOut">
               <a:rPr lang="fr-FR" smtClean="0"/>
-              <a:t>09/03/2021</a:t>
+              <a:t>22/03/2021</a:t>
             </a:fld>
             <a:endParaRPr lang="fr-FR"/>
           </a:p>
@@ -1494,7 +1494,7 @@
           <a:p>
             <a:fld id="{8CF0904D-930F-FD46-A326-BF7152BF9E0A}" type="datetimeFigureOut">
               <a:rPr lang="fr-FR" smtClean="0"/>
-              <a:t>09/03/2021</a:t>
+              <a:t>22/03/2021</a:t>
             </a:fld>
             <a:endParaRPr lang="fr-FR"/>
           </a:p>
@@ -1779,7 +1779,7 @@
           <a:p>
             <a:fld id="{8CF0904D-930F-FD46-A326-BF7152BF9E0A}" type="datetimeFigureOut">
               <a:rPr lang="fr-FR" smtClean="0"/>
-              <a:t>09/03/2021</a:t>
+              <a:t>22/03/2021</a:t>
             </a:fld>
             <a:endParaRPr lang="fr-FR"/>
           </a:p>
@@ -2203,7 +2203,7 @@
           <a:p>
             <a:fld id="{8CF0904D-930F-FD46-A326-BF7152BF9E0A}" type="datetimeFigureOut">
               <a:rPr lang="fr-FR" smtClean="0"/>
-              <a:t>09/03/2021</a:t>
+              <a:t>22/03/2021</a:t>
             </a:fld>
             <a:endParaRPr lang="fr-FR"/>
           </a:p>
@@ -2320,7 +2320,7 @@
           <a:p>
             <a:fld id="{8CF0904D-930F-FD46-A326-BF7152BF9E0A}" type="datetimeFigureOut">
               <a:rPr lang="fr-FR" smtClean="0"/>
-              <a:t>09/03/2021</a:t>
+              <a:t>22/03/2021</a:t>
             </a:fld>
             <a:endParaRPr lang="fr-FR"/>
           </a:p>
@@ -2415,7 +2415,7 @@
           <a:p>
             <a:fld id="{8CF0904D-930F-FD46-A326-BF7152BF9E0A}" type="datetimeFigureOut">
               <a:rPr lang="fr-FR" smtClean="0"/>
-              <a:t>09/03/2021</a:t>
+              <a:t>22/03/2021</a:t>
             </a:fld>
             <a:endParaRPr lang="fr-FR"/>
           </a:p>
@@ -2690,7 +2690,7 @@
           <a:p>
             <a:fld id="{8CF0904D-930F-FD46-A326-BF7152BF9E0A}" type="datetimeFigureOut">
               <a:rPr lang="fr-FR" smtClean="0"/>
-              <a:t>09/03/2021</a:t>
+              <a:t>22/03/2021</a:t>
             </a:fld>
             <a:endParaRPr lang="fr-FR"/>
           </a:p>
@@ -2942,7 +2942,7 @@
           <a:p>
             <a:fld id="{8CF0904D-930F-FD46-A326-BF7152BF9E0A}" type="datetimeFigureOut">
               <a:rPr lang="fr-FR" smtClean="0"/>
-              <a:t>09/03/2021</a:t>
+              <a:t>22/03/2021</a:t>
             </a:fld>
             <a:endParaRPr lang="fr-FR"/>
           </a:p>
@@ -3153,7 +3153,7 @@
           <a:p>
             <a:fld id="{8CF0904D-930F-FD46-A326-BF7152BF9E0A}" type="datetimeFigureOut">
               <a:rPr lang="fr-FR" smtClean="0"/>
-              <a:t>09/03/2021</a:t>
+              <a:t>22/03/2021</a:t>
             </a:fld>
             <a:endParaRPr lang="fr-FR"/>
           </a:p>
@@ -4377,7 +4377,7 @@
         </p:nvSpPr>
         <p:spPr>
           <a:xfrm>
-            <a:off x="281585" y="5114921"/>
+            <a:off x="274500" y="5022891"/>
             <a:ext cx="499256" cy="499256"/>
           </a:xfrm>
           <a:prstGeom prst="ellipse">
@@ -4426,14 +4426,14 @@
           <p:nvPr>
             <p:extLst>
               <p:ext uri="{D42A27DB-BD31-4B8C-83A1-F6EECF244321}">
-                <p14:modId xmlns:p14="http://schemas.microsoft.com/office/powerpoint/2010/main" val="3599434166"/>
+                <p14:modId xmlns:p14="http://schemas.microsoft.com/office/powerpoint/2010/main" val="498629164"/>
               </p:ext>
             </p:extLst>
           </p:nvPr>
         </p:nvGraphicFramePr>
         <p:xfrm>
-          <a:off x="844288" y="4871555"/>
-          <a:ext cx="3870690" cy="2943749"/>
+          <a:off x="844288" y="4630910"/>
+          <a:ext cx="3870690" cy="3390423"/>
         </p:xfrm>
         <a:graphic>
           <a:graphicData uri="http://schemas.openxmlformats.org/drawingml/2006/table">
@@ -4450,7 +4450,7 @@
                   </a:extLst>
                 </a:gridCol>
               </a:tblGrid>
-              <a:tr h="1094905">
+              <a:tr h="1438607">
                 <a:tc>
                   <a:txBody>
                     <a:bodyPr/>
@@ -4514,33 +4514,7 @@
                           <a:ea typeface="Times New Roman" charset="0"/>
                           <a:cs typeface="Times New Roman" charset="0"/>
                         </a:rPr>
-                        <a:t>Félix-Création, </a:t>
-                      </a:r>
-                      <a:r>
-                        <a:rPr lang="fr-FR" sz="1100" b="0" i="1" baseline="0" dirty="0" err="1">
-                          <a:solidFill>
-                            <a:schemeClr val="accent1">
-                              <a:lumMod val="75000"/>
-                            </a:schemeClr>
-                          </a:solidFill>
-                          <a:latin typeface="+mn-lt"/>
-                          <a:ea typeface="Times New Roman" charset="0"/>
-                          <a:cs typeface="Times New Roman" charset="0"/>
-                        </a:rPr>
-                        <a:t>Cran-Gévrier</a:t>
-                      </a:r>
-                      <a:r>
-                        <a:rPr lang="fr-FR" sz="1100" b="0" i="1" baseline="0" dirty="0">
-                          <a:solidFill>
-                            <a:schemeClr val="accent1">
-                              <a:lumMod val="75000"/>
-                            </a:schemeClr>
-                          </a:solidFill>
-                          <a:latin typeface="+mn-lt"/>
-                          <a:ea typeface="Times New Roman" charset="0"/>
-                          <a:cs typeface="Times New Roman" charset="0"/>
-                        </a:rPr>
-                        <a:t> (74960)</a:t>
+                        <a:t>Félix-Création (Agence de publicité), Cran-Gevrier (74960)</a:t>
                       </a:r>
                     </a:p>
                     <a:p>
@@ -4581,11 +4555,11 @@
                           <a:ea typeface="Times New Roman" charset="0"/>
                           <a:cs typeface="Times New Roman" charset="0"/>
                         </a:rPr>
-                        <a:t>Stage réalisé pendant la deuxième année du DUT Informatique,</a:t>
+                        <a:t>Stage réalisé pendant la deuxième année du DUT Informatique.</a:t>
                       </a:r>
                     </a:p>
                     <a:p>
-                      <a:pPr marL="0" marR="0" indent="0" algn="l" defTabSz="457200" rtl="0" eaLnBrk="1" fontAlgn="auto" latinLnBrk="0" hangingPunct="1">
+                      <a:pPr marL="171450" marR="0" indent="-171450" algn="l" defTabSz="457200" rtl="0" eaLnBrk="1" fontAlgn="auto" latinLnBrk="0" hangingPunct="1">
                         <a:lnSpc>
                           <a:spcPct val="100000"/>
                         </a:lnSpc>
@@ -4599,8 +4573,8 @@
                           <a:srgbClr val="00B050"/>
                         </a:buClr>
                         <a:buSzPct val="100000"/>
-                        <a:buFont typeface="Courier New" charset="0"/>
-                        <a:buNone/>
+                        <a:buFontTx/>
+                        <a:buChar char="-"/>
                         <a:tabLst/>
                         <a:defRPr/>
                       </a:pPr>
@@ -4622,28 +4596,29 @@
                           <a:ea typeface="Times New Roman" charset="0"/>
                           <a:cs typeface="Times New Roman" charset="0"/>
                         </a:rPr>
-                        <a:t>ma mission consiste à créer des sites web pour des clients avec le </a:t>
+                        <a:t>Création de site web avec le Framework Symfony pour des clients divers</a:t>
                       </a:r>
-                      <a:r>
-                        <a:rPr kumimoji="0" lang="fr-FR" sz="1100" b="0" i="0" u="none" strike="noStrike" kern="1200" cap="none" spc="0" normalizeH="0" baseline="0" dirty="0" err="1">
-                          <a:ln>
-                            <a:noFill/>
-                          </a:ln>
-                          <a:solidFill>
-                            <a:prstClr val="black">
-                              <a:lumMod val="75000"/>
-                              <a:lumOff val="25000"/>
-                            </a:prstClr>
-                          </a:solidFill>
-                          <a:effectLst/>
-                          <a:uLnTx/>
-                          <a:uFillTx/>
-                          <a:latin typeface="+mn-lt"/>
-                          <a:ea typeface="Times New Roman" charset="0"/>
-                          <a:cs typeface="Times New Roman" charset="0"/>
-                        </a:rPr>
-                        <a:t>framework</a:t>
-                      </a:r>
+                    </a:p>
+                    <a:p>
+                      <a:pPr marL="171450" marR="0" indent="-171450" algn="l" defTabSz="457200" rtl="0" eaLnBrk="1" fontAlgn="auto" latinLnBrk="0" hangingPunct="1">
+                        <a:lnSpc>
+                          <a:spcPct val="100000"/>
+                        </a:lnSpc>
+                        <a:spcBef>
+                          <a:spcPts val="0"/>
+                        </a:spcBef>
+                        <a:spcAft>
+                          <a:spcPts val="0"/>
+                        </a:spcAft>
+                        <a:buClr>
+                          <a:srgbClr val="00B050"/>
+                        </a:buClr>
+                        <a:buSzPct val="100000"/>
+                        <a:buFontTx/>
+                        <a:buChar char="-"/>
+                        <a:tabLst/>
+                        <a:defRPr/>
+                      </a:pPr>
                       <a:r>
                         <a:rPr kumimoji="0" lang="fr-FR" sz="1100" b="0" i="0" u="none" strike="noStrike" kern="1200" cap="none" spc="0" normalizeH="0" baseline="0" dirty="0">
                           <a:ln>
@@ -4662,7 +4637,7 @@
                           <a:ea typeface="Times New Roman" charset="0"/>
                           <a:cs typeface="Times New Roman" charset="0"/>
                         </a:rPr>
-                        <a:t> Symfony.</a:t>
+                        <a:t>Création d’un calendrier interactif pour gérer des rendez vous en ligne.</a:t>
                       </a:r>
                     </a:p>
                   </a:txBody>
@@ -4703,7 +4678,7 @@
                   </a:ext>
                 </a:extLst>
               </a:tr>
-              <a:tr h="919213">
+              <a:tr h="975908">
                 <a:tc>
                   <a:txBody>
                     <a:bodyPr/>
@@ -4821,7 +4796,7 @@
                           <a:ea typeface="Times New Roman" charset="0"/>
                           <a:cs typeface="Times New Roman" charset="0"/>
                         </a:rPr>
-                        <a:t>Avec un petit groupe d’élèves de l’IUT nous avons créé un site web / e-commerce pour l’entreprise Créa-Cuisine avec WordPress.</a:t>
+                        <a:t>Sur une période de 4 mois, avec un petit groupe d’élèves de l’IUT, nous avons créé un site web / e-commerce pour l’entreprise Créa-Cuisine avec WordPress.</a:t>
                       </a:r>
                     </a:p>
                   </a:txBody>
@@ -4866,7 +4841,7 @@
                   </a:ext>
                 </a:extLst>
               </a:tr>
-              <a:tr h="201078">
+              <a:tr h="975908">
                 <a:tc>
                   <a:txBody>
                     <a:bodyPr/>
@@ -4930,7 +4905,7 @@
                           <a:ea typeface="Times New Roman" charset="0"/>
                           <a:cs typeface="Times New Roman" charset="0"/>
                         </a:rPr>
-                        <a:t>Laser 3000 , Cran-Gevrier (74093)</a:t>
+                        <a:t>Laser 3000 (Exploitation de jeux), Cran-Gevrier (74093)</a:t>
                       </a:r>
                     </a:p>
                     <a:p>
@@ -4971,7 +4946,7 @@
                           <a:ea typeface="Times New Roman" charset="0"/>
                           <a:cs typeface="Times New Roman" charset="0"/>
                         </a:rPr>
-                        <a:t>J’ai travaillé à Laser 3000 l’été afin de remplacer et réparer des babyfoots, billards, flippeurs et autres jeux d’arcade présents dans des lieux publics.</a:t>
+                        <a:t>Pendant les mois de juillet, j’ai effectué des remplacements de technicien avec réparation et entretien de babyfoots, billards, flippeurs et autres jeux d’arcade.</a:t>
                       </a:r>
                     </a:p>
                   </a:txBody>
@@ -5028,7 +5003,7 @@
         </p:nvSpPr>
         <p:spPr>
           <a:xfrm>
-            <a:off x="282899" y="6153585"/>
+            <a:off x="282899" y="6293653"/>
             <a:ext cx="499256" cy="499256"/>
           </a:xfrm>
           <a:prstGeom prst="ellipse">
@@ -5076,7 +5051,7 @@
         </p:nvSpPr>
         <p:spPr>
           <a:xfrm>
-            <a:off x="314055" y="7168720"/>
+            <a:off x="282899" y="7225371"/>
             <a:ext cx="499256" cy="499256"/>
           </a:xfrm>
           <a:prstGeom prst="ellipse">
@@ -5124,7 +5099,7 @@
         </p:nvSpPr>
         <p:spPr>
           <a:xfrm>
-            <a:off x="263114" y="6288090"/>
+            <a:off x="263114" y="6428158"/>
             <a:ext cx="524656" cy="253916"/>
           </a:xfrm>
           <a:prstGeom prst="rect">
@@ -5858,7 +5833,7 @@
         </p:nvSpPr>
         <p:spPr>
           <a:xfrm>
-            <a:off x="198409" y="2001407"/>
+            <a:off x="163484" y="1847927"/>
             <a:ext cx="4459992" cy="1708160"/>
           </a:xfrm>
           <a:prstGeom prst="rect">
@@ -5881,7 +5856,7 @@
                   <a:schemeClr val="bg1"/>
                 </a:solidFill>
               </a:rPr>
-              <a:t>Je recherche une alternance ou un stage de fin d’année pour ma formation Prépa Mastère Digital, de préférence dans le web. Je m’y intéresse depuis longtemps et je cherche actuellement à me spécialiser en mélangeant ma passion et le monde du travail. </a:t>
+              <a:t>Je recherche une alternance ou un stage de fin d’année pour ma formation Prépa Mastère Digital, de préférence dans le web. Je m’y intéresse depuis longtemps et je cherche actuellement à me spécialiser en associant ma passion au monde du travail. </a:t>
             </a:r>
           </a:p>
           <a:p>
@@ -6496,8 +6471,8 @@
         </p:nvSpPr>
         <p:spPr>
           <a:xfrm>
-            <a:off x="5117953" y="7567372"/>
-            <a:ext cx="1313188" cy="71147"/>
+            <a:off x="5117952" y="7567373"/>
+            <a:ext cx="1441597" cy="64768"/>
           </a:xfrm>
           <a:prstGeom prst="rect">
             <a:avLst/>
@@ -6698,7 +6673,7 @@
         </p:nvSpPr>
         <p:spPr>
           <a:xfrm>
-            <a:off x="301355" y="7223839"/>
+            <a:off x="281585" y="7267250"/>
             <a:ext cx="524656" cy="415498"/>
           </a:xfrm>
           <a:prstGeom prst="rect">
@@ -6738,7 +6713,7 @@
         </p:nvSpPr>
         <p:spPr>
           <a:xfrm>
-            <a:off x="270199" y="5223719"/>
+            <a:off x="263114" y="5131689"/>
             <a:ext cx="524656" cy="253916"/>
           </a:xfrm>
           <a:prstGeom prst="rect">

--- a/cv.pptx
+++ b/cv.pptx
@@ -4377,7 +4377,7 @@
         </p:nvSpPr>
         <p:spPr>
           <a:xfrm>
-            <a:off x="274500" y="5022891"/>
+            <a:off x="291995" y="5046083"/>
             <a:ext cx="499256" cy="499256"/>
           </a:xfrm>
           <a:prstGeom prst="ellipse">
@@ -4426,14 +4426,14 @@
           <p:nvPr>
             <p:extLst>
               <p:ext uri="{D42A27DB-BD31-4B8C-83A1-F6EECF244321}">
-                <p14:modId xmlns:p14="http://schemas.microsoft.com/office/powerpoint/2010/main" val="498629164"/>
+                <p14:modId xmlns:p14="http://schemas.microsoft.com/office/powerpoint/2010/main" val="1146260339"/>
               </p:ext>
             </p:extLst>
           </p:nvPr>
         </p:nvGraphicFramePr>
         <p:xfrm>
-          <a:off x="844288" y="4630910"/>
-          <a:ext cx="3870690" cy="3390423"/>
+          <a:off x="844288" y="4859935"/>
+          <a:ext cx="3870690" cy="3108546"/>
         </p:xfrm>
         <a:graphic>
           <a:graphicData uri="http://schemas.openxmlformats.org/drawingml/2006/table">
@@ -4450,7 +4450,7 @@
                   </a:extLst>
                 </a:gridCol>
               </a:tblGrid>
-              <a:tr h="1438607">
+              <a:tr h="1236065">
                 <a:tc>
                   <a:txBody>
                     <a:bodyPr/>
@@ -4596,7 +4596,7 @@
                           <a:ea typeface="Times New Roman" charset="0"/>
                           <a:cs typeface="Times New Roman" charset="0"/>
                         </a:rPr>
-                        <a:t>Création de site web avec le Framework Symfony pour des clients divers</a:t>
+                        <a:t>Création de site web avec le Framework Symfony pour des clients divers.</a:t>
                       </a:r>
                     </a:p>
                     <a:p>
@@ -4637,7 +4637,7 @@
                           <a:ea typeface="Times New Roman" charset="0"/>
                           <a:cs typeface="Times New Roman" charset="0"/>
                         </a:rPr>
-                        <a:t>Création d’un calendrier interactif pour gérer des rendez vous en ligne.</a:t>
+                        <a:t>Création d’un calendrier interactif pour gérer des rendez vous en ligne. (Sujet de mon rapport)</a:t>
                       </a:r>
                     </a:p>
                   </a:txBody>
@@ -4678,7 +4678,7 @@
                   </a:ext>
                 </a:extLst>
               </a:tr>
-              <a:tr h="975908">
+              <a:tr h="909985">
                 <a:tc>
                   <a:txBody>
                     <a:bodyPr/>
@@ -4841,7 +4841,7 @@
                   </a:ext>
                 </a:extLst>
               </a:tr>
-              <a:tr h="975908">
+              <a:tr h="909985">
                 <a:tc>
                   <a:txBody>
                     <a:bodyPr/>
@@ -5099,7 +5099,7 @@
         </p:nvSpPr>
         <p:spPr>
           <a:xfrm>
-            <a:off x="263114" y="6428158"/>
+            <a:off x="270199" y="6417680"/>
             <a:ext cx="524656" cy="253916"/>
           </a:xfrm>
           <a:prstGeom prst="rect">
@@ -6367,8 +6367,8 @@
         </p:nvSpPr>
         <p:spPr>
           <a:xfrm>
-            <a:off x="5110271" y="6846227"/>
-            <a:ext cx="1988236" cy="74689"/>
+            <a:off x="5117952" y="6854175"/>
+            <a:ext cx="1988236" cy="66741"/>
           </a:xfrm>
           <a:prstGeom prst="rect">
             <a:avLst/>
@@ -6419,8 +6419,8 @@
         </p:nvSpPr>
         <p:spPr>
           <a:xfrm>
-            <a:off x="5110271" y="7213606"/>
-            <a:ext cx="1608291" cy="74689"/>
+            <a:off x="5117952" y="7219499"/>
+            <a:ext cx="1608291" cy="73289"/>
           </a:xfrm>
           <a:prstGeom prst="rect">
             <a:avLst/>
@@ -6471,7 +6471,7 @@
         </p:nvSpPr>
         <p:spPr>
           <a:xfrm>
-            <a:off x="5117952" y="7567373"/>
+            <a:off x="5117952" y="7573025"/>
             <a:ext cx="1441597" cy="64768"/>
           </a:xfrm>
           <a:prstGeom prst="rect">
@@ -6523,8 +6523,8 @@
         </p:nvSpPr>
         <p:spPr>
           <a:xfrm>
-            <a:off x="5115572" y="7930577"/>
-            <a:ext cx="1755616" cy="79852"/>
+            <a:off x="5117952" y="7937792"/>
+            <a:ext cx="1755616" cy="68646"/>
           </a:xfrm>
           <a:prstGeom prst="rect">
             <a:avLst/>
@@ -6557,7 +6557,7 @@
           <a:lstStyle/>
           <a:p>
             <a:pPr algn="ctr"/>
-            <a:endParaRPr lang="fr-FR"/>
+            <a:endParaRPr lang="fr-FR" dirty="0"/>
           </a:p>
         </p:txBody>
       </p:sp>
@@ -6627,7 +6627,7 @@
         </p:nvSpPr>
         <p:spPr>
           <a:xfrm>
-            <a:off x="5115571" y="8694504"/>
+            <a:off x="5115571" y="8696885"/>
             <a:ext cx="1755617" cy="72977"/>
           </a:xfrm>
           <a:prstGeom prst="rect">
@@ -6713,7 +6713,7 @@
         </p:nvSpPr>
         <p:spPr>
           <a:xfrm>
-            <a:off x="263114" y="5131689"/>
+            <a:off x="282899" y="5165293"/>
             <a:ext cx="524656" cy="253916"/>
           </a:xfrm>
           <a:prstGeom prst="rect">
@@ -6807,7 +6807,7 @@
         </p:nvSpPr>
         <p:spPr>
           <a:xfrm>
-            <a:off x="255237" y="8659372"/>
+            <a:off x="299047" y="8659372"/>
             <a:ext cx="524656" cy="415498"/>
           </a:xfrm>
           <a:prstGeom prst="rect">

--- a/cv.pptx
+++ b/cv.pptx
@@ -207,7 +207,7 @@
           </a:lstStyle>
           <a:p>
             <a:fld id="{6BFF9852-8A9D-FA43-9BC6-1FE6D867865C}" type="datetimeFigureOut">
-              <a:t>22/03/2021</a:t>
+              <a:t>23/03/2021</a:t>
             </a:fld>
             <a:endParaRPr lang="en-US"/>
           </a:p>
@@ -735,7 +735,7 @@
           <a:p>
             <a:fld id="{8CF0904D-930F-FD46-A326-BF7152BF9E0A}" type="datetimeFigureOut">
               <a:rPr lang="fr-FR" smtClean="0"/>
-              <a:t>22/03/2021</a:t>
+              <a:t>23/03/2021</a:t>
             </a:fld>
             <a:endParaRPr lang="fr-FR"/>
           </a:p>
@@ -903,7 +903,7 @@
           <a:p>
             <a:fld id="{8CF0904D-930F-FD46-A326-BF7152BF9E0A}" type="datetimeFigureOut">
               <a:rPr lang="fr-FR" smtClean="0"/>
-              <a:t>22/03/2021</a:t>
+              <a:t>23/03/2021</a:t>
             </a:fld>
             <a:endParaRPr lang="fr-FR"/>
           </a:p>
@@ -1081,7 +1081,7 @@
           <a:p>
             <a:fld id="{8CF0904D-930F-FD46-A326-BF7152BF9E0A}" type="datetimeFigureOut">
               <a:rPr lang="fr-FR" smtClean="0"/>
-              <a:t>22/03/2021</a:t>
+              <a:t>23/03/2021</a:t>
             </a:fld>
             <a:endParaRPr lang="fr-FR"/>
           </a:p>
@@ -1249,7 +1249,7 @@
           <a:p>
             <a:fld id="{8CF0904D-930F-FD46-A326-BF7152BF9E0A}" type="datetimeFigureOut">
               <a:rPr lang="fr-FR" smtClean="0"/>
-              <a:t>22/03/2021</a:t>
+              <a:t>23/03/2021</a:t>
             </a:fld>
             <a:endParaRPr lang="fr-FR"/>
           </a:p>
@@ -1494,7 +1494,7 @@
           <a:p>
             <a:fld id="{8CF0904D-930F-FD46-A326-BF7152BF9E0A}" type="datetimeFigureOut">
               <a:rPr lang="fr-FR" smtClean="0"/>
-              <a:t>22/03/2021</a:t>
+              <a:t>23/03/2021</a:t>
             </a:fld>
             <a:endParaRPr lang="fr-FR"/>
           </a:p>
@@ -1779,7 +1779,7 @@
           <a:p>
             <a:fld id="{8CF0904D-930F-FD46-A326-BF7152BF9E0A}" type="datetimeFigureOut">
               <a:rPr lang="fr-FR" smtClean="0"/>
-              <a:t>22/03/2021</a:t>
+              <a:t>23/03/2021</a:t>
             </a:fld>
             <a:endParaRPr lang="fr-FR"/>
           </a:p>
@@ -2203,7 +2203,7 @@
           <a:p>
             <a:fld id="{8CF0904D-930F-FD46-A326-BF7152BF9E0A}" type="datetimeFigureOut">
               <a:rPr lang="fr-FR" smtClean="0"/>
-              <a:t>22/03/2021</a:t>
+              <a:t>23/03/2021</a:t>
             </a:fld>
             <a:endParaRPr lang="fr-FR"/>
           </a:p>
@@ -2320,7 +2320,7 @@
           <a:p>
             <a:fld id="{8CF0904D-930F-FD46-A326-BF7152BF9E0A}" type="datetimeFigureOut">
               <a:rPr lang="fr-FR" smtClean="0"/>
-              <a:t>22/03/2021</a:t>
+              <a:t>23/03/2021</a:t>
             </a:fld>
             <a:endParaRPr lang="fr-FR"/>
           </a:p>
@@ -2415,7 +2415,7 @@
           <a:p>
             <a:fld id="{8CF0904D-930F-FD46-A326-BF7152BF9E0A}" type="datetimeFigureOut">
               <a:rPr lang="fr-FR" smtClean="0"/>
-              <a:t>22/03/2021</a:t>
+              <a:t>23/03/2021</a:t>
             </a:fld>
             <a:endParaRPr lang="fr-FR"/>
           </a:p>
@@ -2690,7 +2690,7 @@
           <a:p>
             <a:fld id="{8CF0904D-930F-FD46-A326-BF7152BF9E0A}" type="datetimeFigureOut">
               <a:rPr lang="fr-FR" smtClean="0"/>
-              <a:t>22/03/2021</a:t>
+              <a:t>23/03/2021</a:t>
             </a:fld>
             <a:endParaRPr lang="fr-FR"/>
           </a:p>
@@ -2942,7 +2942,7 @@
           <a:p>
             <a:fld id="{8CF0904D-930F-FD46-A326-BF7152BF9E0A}" type="datetimeFigureOut">
               <a:rPr lang="fr-FR" smtClean="0"/>
-              <a:t>22/03/2021</a:t>
+              <a:t>23/03/2021</a:t>
             </a:fld>
             <a:endParaRPr lang="fr-FR"/>
           </a:p>
@@ -3153,7 +3153,7 @@
           <a:p>
             <a:fld id="{8CF0904D-930F-FD46-A326-BF7152BF9E0A}" type="datetimeFigureOut">
               <a:rPr lang="fr-FR" smtClean="0"/>
-              <a:t>22/03/2021</a:t>
+              <a:t>23/03/2021</a:t>
             </a:fld>
             <a:endParaRPr lang="fr-FR"/>
           </a:p>
@@ -3536,8 +3536,8 @@
         </p:nvSpPr>
         <p:spPr>
           <a:xfrm>
-            <a:off x="-1" y="1585774"/>
-            <a:ext cx="4856813" cy="2234579"/>
+            <a:off x="-1" y="1396068"/>
+            <a:ext cx="4856813" cy="1979774"/>
           </a:xfrm>
           <a:prstGeom prst="rect">
             <a:avLst/>
@@ -3581,7 +3581,7 @@
         <p:spPr>
           <a:xfrm>
             <a:off x="0" y="-1"/>
-            <a:ext cx="7559439" cy="1583663"/>
+            <a:ext cx="7559439" cy="1396471"/>
           </a:xfrm>
           <a:prstGeom prst="rect">
             <a:avLst/>
@@ -3626,8 +3626,8 @@
         </p:nvSpPr>
         <p:spPr>
           <a:xfrm>
-            <a:off x="4856813" y="3820353"/>
-            <a:ext cx="2702626" cy="6868285"/>
+            <a:off x="4856813" y="3373472"/>
+            <a:ext cx="2702626" cy="7315166"/>
           </a:xfrm>
           <a:prstGeom prst="rect">
             <a:avLst/>
@@ -3716,7 +3716,7 @@
         </p:nvSpPr>
         <p:spPr>
           <a:xfrm>
-            <a:off x="1293224" y="373888"/>
+            <a:off x="1293224" y="241204"/>
             <a:ext cx="4914900" cy="923330"/>
           </a:xfrm>
           <a:prstGeom prst="rect">
@@ -3752,7 +3752,7 @@
         </p:nvSpPr>
         <p:spPr>
           <a:xfrm>
-            <a:off x="5146039" y="3790609"/>
+            <a:off x="5107939" y="3483428"/>
             <a:ext cx="2253544" cy="707886"/>
           </a:xfrm>
           <a:prstGeom prst="rect">
@@ -3808,14 +3808,14 @@
           <p:nvPr>
             <p:extLst>
               <p:ext uri="{D42A27DB-BD31-4B8C-83A1-F6EECF244321}">
-                <p14:modId xmlns:p14="http://schemas.microsoft.com/office/powerpoint/2010/main" val="1994091444"/>
+                <p14:modId xmlns:p14="http://schemas.microsoft.com/office/powerpoint/2010/main" val="2904943170"/>
               </p:ext>
             </p:extLst>
           </p:nvPr>
         </p:nvGraphicFramePr>
         <p:xfrm>
-          <a:off x="5156200" y="4589678"/>
-          <a:ext cx="2403238" cy="1244836"/>
+          <a:off x="5156200" y="4307897"/>
+          <a:ext cx="2403238" cy="1427716"/>
         </p:xfrm>
         <a:graphic>
           <a:graphicData uri="http://schemas.openxmlformats.org/drawingml/2006/table">
@@ -3955,6 +3955,24 @@
                         <a:buNone/>
                         <a:tabLst/>
                       </a:pPr>
+                      <a:endParaRPr lang="fr-FR" sz="1200" b="0" i="1" dirty="0">
+                        <a:solidFill>
+                          <a:schemeClr val="bg1"/>
+                        </a:solidFill>
+                        <a:latin typeface="+mn-lt"/>
+                        <a:ea typeface="Times New Roman" charset="0"/>
+                        <a:cs typeface="Times New Roman" charset="0"/>
+                      </a:endParaRPr>
+                    </a:p>
+                    <a:p>
+                      <a:pPr marL="7938" indent="0">
+                        <a:lnSpc>
+                          <a:spcPct val="100000"/>
+                        </a:lnSpc>
+                        <a:buFont typeface="Courier New" charset="0"/>
+                        <a:buNone/>
+                        <a:tabLst/>
+                      </a:pPr>
                       <a:r>
                         <a:rPr lang="fr-FR" sz="1400" b="0" i="0" dirty="0">
                           <a:solidFill>
@@ -3988,7 +4006,7 @@
         </p:nvCxnSpPr>
         <p:spPr>
           <a:xfrm>
-            <a:off x="5238750" y="4474737"/>
+            <a:off x="5238750" y="4217563"/>
             <a:ext cx="1993900" cy="0"/>
           </a:xfrm>
           <a:prstGeom prst="line">
@@ -4284,7 +4302,7 @@
         </p:nvSpPr>
         <p:spPr>
           <a:xfrm>
-            <a:off x="201949" y="4093415"/>
+            <a:off x="201949" y="3425395"/>
             <a:ext cx="3710294" cy="400110"/>
           </a:xfrm>
           <a:prstGeom prst="rect">
@@ -4339,7 +4357,7 @@
         </p:nvCxnSpPr>
         <p:spPr>
           <a:xfrm>
-            <a:off x="284500" y="4480765"/>
+            <a:off x="284500" y="3812745"/>
             <a:ext cx="4377441" cy="0"/>
           </a:xfrm>
           <a:prstGeom prst="line">
@@ -4426,14 +4444,14 @@
           <p:nvPr>
             <p:extLst>
               <p:ext uri="{D42A27DB-BD31-4B8C-83A1-F6EECF244321}">
-                <p14:modId xmlns:p14="http://schemas.microsoft.com/office/powerpoint/2010/main" val="1146260339"/>
+                <p14:modId xmlns:p14="http://schemas.microsoft.com/office/powerpoint/2010/main" val="3800014218"/>
               </p:ext>
             </p:extLst>
           </p:nvPr>
         </p:nvGraphicFramePr>
         <p:xfrm>
-          <a:off x="844288" y="4859935"/>
-          <a:ext cx="3870690" cy="3108546"/>
+          <a:off x="806241" y="3901281"/>
+          <a:ext cx="3870690" cy="4500487"/>
         </p:xfrm>
         <a:graphic>
           <a:graphicData uri="http://schemas.openxmlformats.org/drawingml/2006/table">
@@ -4450,7 +4468,164 @@
                   </a:extLst>
                 </a:gridCol>
               </a:tblGrid>
-              <a:tr h="1236065">
+              <a:tr h="942506">
+                <a:tc>
+                  <a:txBody>
+                    <a:bodyPr/>
+                    <a:lstStyle/>
+                    <a:p>
+                      <a:pPr marL="0" indent="0">
+                        <a:lnSpc>
+                          <a:spcPct val="100000"/>
+                        </a:lnSpc>
+                        <a:spcAft>
+                          <a:spcPts val="0"/>
+                        </a:spcAft>
+                        <a:buClr>
+                          <a:srgbClr val="00B050"/>
+                        </a:buClr>
+                        <a:buSzPct val="100000"/>
+                        <a:buFont typeface="Courier New" charset="0"/>
+                        <a:buNone/>
+                        <a:tabLst/>
+                      </a:pPr>
+                      <a:r>
+                        <a:rPr lang="fr-FR" sz="1100" b="1" i="0" baseline="0" dirty="0" err="1">
+                          <a:solidFill>
+                            <a:schemeClr val="tx1"/>
+                          </a:solidFill>
+                          <a:latin typeface="+mn-lt"/>
+                          <a:ea typeface="Times New Roman" charset="0"/>
+                          <a:cs typeface="Times New Roman" charset="0"/>
+                        </a:rPr>
+                        <a:t>Maquetteur</a:t>
+                      </a:r>
+                      <a:r>
+                        <a:rPr lang="fr-FR" sz="1100" b="1" i="0" baseline="0" dirty="0">
+                          <a:solidFill>
+                            <a:schemeClr val="tx1"/>
+                          </a:solidFill>
+                          <a:latin typeface="+mn-lt"/>
+                          <a:ea typeface="Times New Roman" charset="0"/>
+                          <a:cs typeface="Times New Roman" charset="0"/>
+                        </a:rPr>
+                        <a:t> UI</a:t>
+                      </a:r>
+                    </a:p>
+                    <a:p>
+                      <a:pPr marL="0" marR="0" indent="0" algn="l" defTabSz="457200" rtl="0" eaLnBrk="1" fontAlgn="auto" latinLnBrk="0" hangingPunct="1">
+                        <a:lnSpc>
+                          <a:spcPct val="100000"/>
+                        </a:lnSpc>
+                        <a:spcBef>
+                          <a:spcPts val="0"/>
+                        </a:spcBef>
+                        <a:spcAft>
+                          <a:spcPts val="0"/>
+                        </a:spcAft>
+                        <a:buClr>
+                          <a:srgbClr val="00B050"/>
+                        </a:buClr>
+                        <a:buSzPct val="100000"/>
+                        <a:buFont typeface="Courier New" charset="0"/>
+                        <a:buNone/>
+                        <a:tabLst/>
+                        <a:defRPr/>
+                      </a:pPr>
+                      <a:r>
+                        <a:rPr lang="fr-FR" sz="1100" b="0" i="1" baseline="0" dirty="0">
+                          <a:solidFill>
+                            <a:schemeClr val="accent1">
+                              <a:lumMod val="75000"/>
+                            </a:schemeClr>
+                          </a:solidFill>
+                          <a:latin typeface="+mn-lt"/>
+                          <a:ea typeface="Times New Roman" charset="0"/>
+                          <a:cs typeface="Times New Roman" charset="0"/>
+                        </a:rPr>
+                        <a:t>Bonne place (Salon virtuel), Lyon (69000)</a:t>
+                      </a:r>
+                    </a:p>
+                    <a:p>
+                      <a:pPr marL="0" marR="0" indent="0" algn="l" defTabSz="457200" rtl="0" eaLnBrk="1" fontAlgn="auto" latinLnBrk="0" hangingPunct="1">
+                        <a:lnSpc>
+                          <a:spcPct val="100000"/>
+                        </a:lnSpc>
+                        <a:spcBef>
+                          <a:spcPts val="0"/>
+                        </a:spcBef>
+                        <a:spcAft>
+                          <a:spcPts val="0"/>
+                        </a:spcAft>
+                        <a:buClr>
+                          <a:srgbClr val="00B050"/>
+                        </a:buClr>
+                        <a:buSzPct val="100000"/>
+                        <a:buFont typeface="Courier New" charset="0"/>
+                        <a:buNone/>
+                        <a:tabLst/>
+                        <a:defRPr/>
+                      </a:pPr>
+                      <a:r>
+                        <a:rPr kumimoji="0" lang="fr-FR" sz="1100" b="0" i="0" u="none" strike="noStrike" kern="1200" cap="none" spc="0" normalizeH="0" baseline="0" dirty="0">
+                          <a:ln>
+                            <a:noFill/>
+                          </a:ln>
+                          <a:solidFill>
+                            <a:prstClr val="black">
+                              <a:lumMod val="75000"/>
+                              <a:lumOff val="25000"/>
+                            </a:prstClr>
+                          </a:solidFill>
+                          <a:effectLst/>
+                          <a:uLnTx/>
+                          <a:uFillTx/>
+                          <a:latin typeface="+mn-lt"/>
+                          <a:ea typeface="Times New Roman" charset="0"/>
+                          <a:cs typeface="Times New Roman" charset="0"/>
+                        </a:rPr>
+                        <a:t>Projet d’équipe d’une durée de 6 mois sur la demande d’un professionnel en partenariat avec Digital Campus. Nouvelle création sans aucun existant, groupe arrivé premier aux grands projets DC édition 20/21</a:t>
+                      </a:r>
+                    </a:p>
+                  </a:txBody>
+                  <a:tcPr marL="86222" marR="86222" marT="43111" marB="43111">
+                    <a:lnL w="3175" cap="flat" cmpd="sng" algn="ctr">
+                      <a:noFill/>
+                      <a:prstDash val="solid"/>
+                      <a:round/>
+                      <a:headEnd type="none" w="med" len="med"/>
+                      <a:tailEnd type="none" w="med" len="med"/>
+                    </a:lnL>
+                    <a:lnR w="12700" cmpd="sng">
+                      <a:noFill/>
+                    </a:lnR>
+                    <a:lnT w="12700" cmpd="sng">
+                      <a:noFill/>
+                    </a:lnT>
+                    <a:lnB w="9525" cap="flat" cmpd="sng" algn="ctr">
+                      <a:noFill/>
+                      <a:prstDash val="solid"/>
+                      <a:round/>
+                      <a:headEnd type="none" w="med" len="med"/>
+                      <a:tailEnd type="none" w="med" len="med"/>
+                    </a:lnB>
+                    <a:lnTlToBr w="12700" cmpd="sng">
+                      <a:noFill/>
+                      <a:prstDash val="solid"/>
+                    </a:lnTlToBr>
+                    <a:lnBlToTr w="12700" cmpd="sng">
+                      <a:noFill/>
+                      <a:prstDash val="solid"/>
+                    </a:lnBlToTr>
+                  </a:tcPr>
+                </a:tc>
+                <a:extLst>
+                  <a:ext uri="{0D108BD9-81ED-4DB2-BD59-A6C34878D82A}">
+                    <a16:rowId xmlns:a16="http://schemas.microsoft.com/office/drawing/2014/main" val="10000"/>
+                  </a:ext>
+                </a:extLst>
+              </a:tr>
+              <a:tr h="1308416">
                 <a:tc>
                   <a:txBody>
                     <a:bodyPr/>
@@ -4674,11 +4849,11 @@
                 </a:tc>
                 <a:extLst>
                   <a:ext uri="{0D108BD9-81ED-4DB2-BD59-A6C34878D82A}">
-                    <a16:rowId xmlns:a16="http://schemas.microsoft.com/office/drawing/2014/main" val="10000"/>
+                    <a16:rowId xmlns:a16="http://schemas.microsoft.com/office/drawing/2014/main" val="421901542"/>
                   </a:ext>
                 </a:extLst>
               </a:tr>
-              <a:tr h="909985">
+              <a:tr h="976143">
                 <a:tc>
                   <a:txBody>
                     <a:bodyPr/>
@@ -4732,7 +4907,7 @@
                         <a:defRPr/>
                       </a:pPr>
                       <a:r>
-                        <a:rPr lang="fr-FR" sz="1100" b="0" i="1" baseline="0" dirty="0" err="1">
+                        <a:rPr lang="fr-FR" sz="1100" b="0" i="1" baseline="0">
                           <a:solidFill>
                             <a:schemeClr val="accent1">
                               <a:lumMod val="75000"/>
@@ -4742,7 +4917,7 @@
                           <a:ea typeface="Times New Roman" charset="0"/>
                           <a:cs typeface="Times New Roman" charset="0"/>
                         </a:rPr>
-                        <a:t>Crea</a:t>
+                        <a:t>Créa-Cuisine</a:t>
                       </a:r>
                       <a:r>
                         <a:rPr lang="fr-FR" sz="1100" b="0" i="1" baseline="0" dirty="0">
@@ -4755,7 +4930,7 @@
                           <a:ea typeface="Times New Roman" charset="0"/>
                           <a:cs typeface="Times New Roman" charset="0"/>
                         </a:rPr>
-                        <a:t>-Cuisine, Voiron (38500)</a:t>
+                        <a:t>, Voiron (38500)</a:t>
                       </a:r>
                     </a:p>
                     <a:p>
@@ -4841,7 +5016,7 @@
                   </a:ext>
                 </a:extLst>
               </a:tr>
-              <a:tr h="909985">
+              <a:tr h="1123866">
                 <a:tc>
                   <a:txBody>
                     <a:bodyPr/>
@@ -4946,7 +5121,7 @@
                           <a:ea typeface="Times New Roman" charset="0"/>
                           <a:cs typeface="Times New Roman" charset="0"/>
                         </a:rPr>
-                        <a:t>Pendant les mois de juillet, j’ai effectué des remplacements de technicien avec réparation et entretien de babyfoots, billards, flippeurs et autres jeux d’arcade.</a:t>
+                        <a:t>Pendant les mois de juillet, j’ai effectué des remplacements de technicien avec réparation et entretien de jeux d’arcade, simulateur, babyfoots, billards, flippeur.</a:t>
                       </a:r>
                     </a:p>
                   </a:txBody>
@@ -5133,7 +5308,7 @@
         </p:nvSpPr>
         <p:spPr>
           <a:xfrm>
-            <a:off x="198409" y="8126205"/>
+            <a:off x="198409" y="8227805"/>
             <a:ext cx="3710294" cy="400110"/>
           </a:xfrm>
           <a:prstGeom prst="rect">
@@ -5168,7 +5343,7 @@
         </p:nvCxnSpPr>
         <p:spPr>
           <a:xfrm>
-            <a:off x="284500" y="8505374"/>
+            <a:off x="284500" y="8597449"/>
             <a:ext cx="4377441" cy="0"/>
           </a:xfrm>
           <a:prstGeom prst="line">
@@ -5207,13 +5382,13 @@
           <p:nvPr>
             <p:extLst>
               <p:ext uri="{D42A27DB-BD31-4B8C-83A1-F6EECF244321}">
-                <p14:modId xmlns:p14="http://schemas.microsoft.com/office/powerpoint/2010/main" val="2877960019"/>
+                <p14:modId xmlns:p14="http://schemas.microsoft.com/office/powerpoint/2010/main" val="1737535917"/>
               </p:ext>
             </p:extLst>
           </p:nvPr>
         </p:nvGraphicFramePr>
         <p:xfrm>
-          <a:off x="806241" y="8527970"/>
+          <a:off x="806241" y="8670845"/>
           <a:ext cx="3870690" cy="2376139"/>
         </p:xfrm>
         <a:graphic>
@@ -5655,7 +5830,7 @@
         </p:nvSpPr>
         <p:spPr>
           <a:xfrm>
-            <a:off x="291995" y="9237262"/>
+            <a:off x="291995" y="9361087"/>
             <a:ext cx="499256" cy="499256"/>
           </a:xfrm>
           <a:prstGeom prst="ellipse">
@@ -5703,7 +5878,7 @@
         </p:nvSpPr>
         <p:spPr>
           <a:xfrm>
-            <a:off x="281585" y="9306964"/>
+            <a:off x="281585" y="9430789"/>
             <a:ext cx="524656" cy="415498"/>
           </a:xfrm>
           <a:prstGeom prst="rect">
@@ -5737,7 +5912,7 @@
         </p:nvSpPr>
         <p:spPr>
           <a:xfrm>
-            <a:off x="291995" y="9864862"/>
+            <a:off x="291995" y="9988687"/>
             <a:ext cx="499256" cy="499256"/>
           </a:xfrm>
           <a:prstGeom prst="ellipse">
@@ -5785,7 +5960,7 @@
         </p:nvSpPr>
         <p:spPr>
           <a:xfrm>
-            <a:off x="281585" y="9888844"/>
+            <a:off x="281585" y="10012669"/>
             <a:ext cx="524656" cy="577081"/>
           </a:xfrm>
           <a:prstGeom prst="rect">
@@ -5833,8 +6008,8 @@
         </p:nvSpPr>
         <p:spPr>
           <a:xfrm>
-            <a:off x="163484" y="1847927"/>
-            <a:ext cx="4459992" cy="1708160"/>
+            <a:off x="163484" y="1658220"/>
+            <a:ext cx="4459992" cy="1492716"/>
           </a:xfrm>
           <a:prstGeom prst="rect">
             <a:avLst/>
@@ -5851,7 +6026,7 @@
               <a:defRPr/>
             </a:pPr>
             <a:r>
-              <a:rPr lang="fr-FR" sz="1500" dirty="0">
+              <a:rPr lang="fr-FR" sz="1300" dirty="0">
                 <a:solidFill>
                   <a:schemeClr val="bg1"/>
                 </a:solidFill>
@@ -5864,7 +6039,7 @@
               <a:defRPr/>
             </a:pPr>
             <a:r>
-              <a:rPr lang="fr-FR" sz="1500" dirty="0">
+              <a:rPr lang="fr-FR" sz="1300" dirty="0">
                 <a:solidFill>
                   <a:schemeClr val="bg1"/>
                 </a:solidFill>
@@ -5877,7 +6052,7 @@
               <a:defRPr/>
             </a:pPr>
             <a:r>
-              <a:rPr lang="fr-FR" sz="1500" dirty="0">
+              <a:rPr lang="fr-FR" sz="1300" dirty="0">
                 <a:solidFill>
                   <a:schemeClr val="bg1"/>
                 </a:solidFill>
@@ -5885,7 +6060,7 @@
               <a:t>Mon portfolio : </a:t>
             </a:r>
             <a:r>
-              <a:rPr lang="fr-FR" sz="1500" dirty="0">
+              <a:rPr lang="fr-FR" sz="1300" dirty="0">
                 <a:solidFill>
                   <a:schemeClr val="tx2">
                     <a:lumMod val="20000"/>
@@ -5902,7 +6077,7 @@
               </a:rPr>
               <a:t>http://baptisteag.github.io/</a:t>
             </a:r>
-            <a:endParaRPr lang="fr-FR" sz="1500" dirty="0">
+            <a:endParaRPr lang="fr-FR" sz="1300" dirty="0">
               <a:solidFill>
                 <a:schemeClr val="tx2">
                   <a:lumMod val="20000"/>
@@ -6471,8 +6646,8 @@
         </p:nvSpPr>
         <p:spPr>
           <a:xfrm>
-            <a:off x="5117952" y="7573025"/>
-            <a:ext cx="1441597" cy="64768"/>
+            <a:off x="5117952" y="7566675"/>
+            <a:ext cx="1441597" cy="79032"/>
           </a:xfrm>
           <a:prstGeom prst="rect">
             <a:avLst/>
@@ -6523,8 +6698,8 @@
         </p:nvSpPr>
         <p:spPr>
           <a:xfrm>
-            <a:off x="5117952" y="7937792"/>
-            <a:ext cx="1755616" cy="68646"/>
+            <a:off x="5117952" y="7932553"/>
+            <a:ext cx="1755616" cy="72996"/>
           </a:xfrm>
           <a:prstGeom prst="rect">
             <a:avLst/>
@@ -6627,7 +6802,7 @@
         </p:nvSpPr>
         <p:spPr>
           <a:xfrm>
-            <a:off x="5115571" y="8696885"/>
+            <a:off x="5115571" y="8701648"/>
             <a:ext cx="1755617" cy="72977"/>
           </a:xfrm>
           <a:prstGeom prst="rect">
@@ -6753,7 +6928,7 @@
         </p:nvSpPr>
         <p:spPr>
           <a:xfrm>
-            <a:off x="296134" y="8605376"/>
+            <a:off x="296134" y="8729201"/>
             <a:ext cx="499256" cy="499256"/>
           </a:xfrm>
           <a:prstGeom prst="ellipse">
@@ -6807,7 +6982,7 @@
         </p:nvSpPr>
         <p:spPr>
           <a:xfrm>
-            <a:off x="299047" y="8659372"/>
+            <a:off x="299047" y="8783197"/>
             <a:ext cx="524656" cy="415498"/>
           </a:xfrm>
           <a:prstGeom prst="rect">
@@ -6854,7 +7029,7 @@
         </p:blipFill>
         <p:spPr>
           <a:xfrm>
-            <a:off x="5188649" y="1775659"/>
+            <a:off x="5238750" y="1483935"/>
             <a:ext cx="1831479" cy="1789889"/>
           </a:xfrm>
           <a:prstGeom prst="rect">
@@ -6862,6 +7037,100 @@
           </a:prstGeom>
         </p:spPr>
       </p:pic>
+      <p:sp>
+        <p:nvSpPr>
+          <p:cNvPr id="58" name="Oval 24">
+            <a:extLst>
+              <a:ext uri="{FF2B5EF4-FFF2-40B4-BE49-F238E27FC236}">
+                <a16:creationId xmlns:a16="http://schemas.microsoft.com/office/drawing/2014/main" id="{C6D9D2F3-440B-4008-A4E9-53AA08114F38}"/>
+              </a:ext>
+            </a:extLst>
+          </p:cNvPr>
+          <p:cNvSpPr/>
+          <p:nvPr/>
+        </p:nvSpPr>
+        <p:spPr>
+          <a:xfrm>
+            <a:off x="291995" y="4053385"/>
+            <a:ext cx="499256" cy="499256"/>
+          </a:xfrm>
+          <a:prstGeom prst="ellipse">
+            <a:avLst/>
+          </a:prstGeom>
+          <a:solidFill>
+            <a:schemeClr val="tx2"/>
+          </a:solidFill>
+          <a:ln>
+            <a:noFill/>
+          </a:ln>
+        </p:spPr>
+        <p:style>
+          <a:lnRef idx="2">
+            <a:schemeClr val="accent3"/>
+          </a:lnRef>
+          <a:fillRef idx="1">
+            <a:schemeClr val="lt1"/>
+          </a:fillRef>
+          <a:effectRef idx="0">
+            <a:schemeClr val="accent3"/>
+          </a:effectRef>
+          <a:fontRef idx="minor">
+            <a:schemeClr val="dk1"/>
+          </a:fontRef>
+        </p:style>
+        <p:txBody>
+          <a:bodyPr rtlCol="0" anchor="ctr"/>
+          <a:lstStyle/>
+          <a:p>
+            <a:pPr algn="ctr"/>
+            <a:endParaRPr lang="en-US" sz="1100">
+              <a:solidFill>
+                <a:schemeClr val="bg1"/>
+              </a:solidFill>
+            </a:endParaRPr>
+          </a:p>
+        </p:txBody>
+      </p:sp>
+      <p:sp>
+        <p:nvSpPr>
+          <p:cNvPr id="59" name="TextBox 31">
+            <a:extLst>
+              <a:ext uri="{FF2B5EF4-FFF2-40B4-BE49-F238E27FC236}">
+                <a16:creationId xmlns:a16="http://schemas.microsoft.com/office/drawing/2014/main" id="{D188417F-9C6C-4ADA-B62F-074DE7765932}"/>
+              </a:ext>
+            </a:extLst>
+          </p:cNvPr>
+          <p:cNvSpPr txBox="1"/>
+          <p:nvPr/>
+        </p:nvSpPr>
+        <p:spPr>
+          <a:xfrm>
+            <a:off x="282899" y="4172595"/>
+            <a:ext cx="524656" cy="253916"/>
+          </a:xfrm>
+          <a:prstGeom prst="rect">
+            <a:avLst/>
+          </a:prstGeom>
+          <a:noFill/>
+        </p:spPr>
+        <p:txBody>
+          <a:bodyPr wrap="square" rtlCol="0">
+            <a:spAutoFit/>
+          </a:bodyPr>
+          <a:lstStyle/>
+          <a:p>
+            <a:pPr algn="ctr"/>
+            <a:r>
+              <a:rPr lang="en-US" sz="1050" dirty="0">
+                <a:solidFill>
+                  <a:schemeClr val="bg1"/>
+                </a:solidFill>
+              </a:rPr>
+              <a:t>2021</a:t>
+            </a:r>
+          </a:p>
+        </p:txBody>
+      </p:sp>
     </p:spTree>
     <p:extLst>
       <p:ext uri="{BB962C8B-B14F-4D97-AF65-F5344CB8AC3E}">

--- a/cv.pptx
+++ b/cv.pptx
@@ -207,7 +207,7 @@
           </a:lstStyle>
           <a:p>
             <a:fld id="{6BFF9852-8A9D-FA43-9BC6-1FE6D867865C}" type="datetimeFigureOut">
-              <a:t>23/03/2021</a:t>
+              <a:t>24/03/2021</a:t>
             </a:fld>
             <a:endParaRPr lang="en-US"/>
           </a:p>
@@ -735,7 +735,7 @@
           <a:p>
             <a:fld id="{8CF0904D-930F-FD46-A326-BF7152BF9E0A}" type="datetimeFigureOut">
               <a:rPr lang="fr-FR" smtClean="0"/>
-              <a:t>23/03/2021</a:t>
+              <a:t>24/03/2021</a:t>
             </a:fld>
             <a:endParaRPr lang="fr-FR"/>
           </a:p>
@@ -903,7 +903,7 @@
           <a:p>
             <a:fld id="{8CF0904D-930F-FD46-A326-BF7152BF9E0A}" type="datetimeFigureOut">
               <a:rPr lang="fr-FR" smtClean="0"/>
-              <a:t>23/03/2021</a:t>
+              <a:t>24/03/2021</a:t>
             </a:fld>
             <a:endParaRPr lang="fr-FR"/>
           </a:p>
@@ -1081,7 +1081,7 @@
           <a:p>
             <a:fld id="{8CF0904D-930F-FD46-A326-BF7152BF9E0A}" type="datetimeFigureOut">
               <a:rPr lang="fr-FR" smtClean="0"/>
-              <a:t>23/03/2021</a:t>
+              <a:t>24/03/2021</a:t>
             </a:fld>
             <a:endParaRPr lang="fr-FR"/>
           </a:p>
@@ -1249,7 +1249,7 @@
           <a:p>
             <a:fld id="{8CF0904D-930F-FD46-A326-BF7152BF9E0A}" type="datetimeFigureOut">
               <a:rPr lang="fr-FR" smtClean="0"/>
-              <a:t>23/03/2021</a:t>
+              <a:t>24/03/2021</a:t>
             </a:fld>
             <a:endParaRPr lang="fr-FR"/>
           </a:p>
@@ -1494,7 +1494,7 @@
           <a:p>
             <a:fld id="{8CF0904D-930F-FD46-A326-BF7152BF9E0A}" type="datetimeFigureOut">
               <a:rPr lang="fr-FR" smtClean="0"/>
-              <a:t>23/03/2021</a:t>
+              <a:t>24/03/2021</a:t>
             </a:fld>
             <a:endParaRPr lang="fr-FR"/>
           </a:p>
@@ -1779,7 +1779,7 @@
           <a:p>
             <a:fld id="{8CF0904D-930F-FD46-A326-BF7152BF9E0A}" type="datetimeFigureOut">
               <a:rPr lang="fr-FR" smtClean="0"/>
-              <a:t>23/03/2021</a:t>
+              <a:t>24/03/2021</a:t>
             </a:fld>
             <a:endParaRPr lang="fr-FR"/>
           </a:p>
@@ -2203,7 +2203,7 @@
           <a:p>
             <a:fld id="{8CF0904D-930F-FD46-A326-BF7152BF9E0A}" type="datetimeFigureOut">
               <a:rPr lang="fr-FR" smtClean="0"/>
-              <a:t>23/03/2021</a:t>
+              <a:t>24/03/2021</a:t>
             </a:fld>
             <a:endParaRPr lang="fr-FR"/>
           </a:p>
@@ -2320,7 +2320,7 @@
           <a:p>
             <a:fld id="{8CF0904D-930F-FD46-A326-BF7152BF9E0A}" type="datetimeFigureOut">
               <a:rPr lang="fr-FR" smtClean="0"/>
-              <a:t>23/03/2021</a:t>
+              <a:t>24/03/2021</a:t>
             </a:fld>
             <a:endParaRPr lang="fr-FR"/>
           </a:p>
@@ -2415,7 +2415,7 @@
           <a:p>
             <a:fld id="{8CF0904D-930F-FD46-A326-BF7152BF9E0A}" type="datetimeFigureOut">
               <a:rPr lang="fr-FR" smtClean="0"/>
-              <a:t>23/03/2021</a:t>
+              <a:t>24/03/2021</a:t>
             </a:fld>
             <a:endParaRPr lang="fr-FR"/>
           </a:p>
@@ -2690,7 +2690,7 @@
           <a:p>
             <a:fld id="{8CF0904D-930F-FD46-A326-BF7152BF9E0A}" type="datetimeFigureOut">
               <a:rPr lang="fr-FR" smtClean="0"/>
-              <a:t>23/03/2021</a:t>
+              <a:t>24/03/2021</a:t>
             </a:fld>
             <a:endParaRPr lang="fr-FR"/>
           </a:p>
@@ -2942,7 +2942,7 @@
           <a:p>
             <a:fld id="{8CF0904D-930F-FD46-A326-BF7152BF9E0A}" type="datetimeFigureOut">
               <a:rPr lang="fr-FR" smtClean="0"/>
-              <a:t>23/03/2021</a:t>
+              <a:t>24/03/2021</a:t>
             </a:fld>
             <a:endParaRPr lang="fr-FR"/>
           </a:p>
@@ -3153,7 +3153,7 @@
           <a:p>
             <a:fld id="{8CF0904D-930F-FD46-A326-BF7152BF9E0A}" type="datetimeFigureOut">
               <a:rPr lang="fr-FR" smtClean="0"/>
-              <a:t>23/03/2021</a:t>
+              <a:t>24/03/2021</a:t>
             </a:fld>
             <a:endParaRPr lang="fr-FR"/>
           </a:p>
@@ -6067,24 +6067,9 @@
                     <a:lumOff val="80000"/>
                   </a:schemeClr>
                 </a:solidFill>
-                <a:hlinkClick r:id="rId3">
-                  <a:extLst>
-                    <a:ext uri="{A12FA001-AC4F-418D-AE19-62706E023703}">
-                      <ahyp:hlinkClr xmlns:ahyp="http://schemas.microsoft.com/office/drawing/2018/hyperlinkcolor" val="tx"/>
-                    </a:ext>
-                  </a:extLst>
-                </a:hlinkClick>
               </a:rPr>
-              <a:t>http://baptisteag.github.io/</a:t>
-            </a:r>
-            <a:endParaRPr lang="fr-FR" sz="1300" dirty="0">
-              <a:solidFill>
-                <a:schemeClr val="tx2">
-                  <a:lumMod val="20000"/>
-                  <a:lumOff val="80000"/>
-                </a:schemeClr>
-              </a:solidFill>
-            </a:endParaRPr>
+              <a:t>http://www.baptisteageron.fr/</a:t>
+            </a:r>
           </a:p>
         </p:txBody>
       </p:sp>
@@ -7023,7 +7008,7 @@
           <p:nvPr/>
         </p:nvPicPr>
         <p:blipFill rotWithShape="1">
-          <a:blip r:embed="rId4"/>
+          <a:blip r:embed="rId3"/>
           <a:srcRect t="16736" b="18113"/>
           <a:stretch/>
         </p:blipFill>

--- a/cv.pptx
+++ b/cv.pptx
@@ -207,7 +207,7 @@
           </a:lstStyle>
           <a:p>
             <a:fld id="{6BFF9852-8A9D-FA43-9BC6-1FE6D867865C}" type="datetimeFigureOut">
-              <a:t>24/03/2021</a:t>
+              <a:t>03/06/2021</a:t>
             </a:fld>
             <a:endParaRPr lang="en-US"/>
           </a:p>
@@ -735,7 +735,7 @@
           <a:p>
             <a:fld id="{8CF0904D-930F-FD46-A326-BF7152BF9E0A}" type="datetimeFigureOut">
               <a:rPr lang="fr-FR" smtClean="0"/>
-              <a:t>24/03/2021</a:t>
+              <a:t>03/06/2021</a:t>
             </a:fld>
             <a:endParaRPr lang="fr-FR"/>
           </a:p>
@@ -903,7 +903,7 @@
           <a:p>
             <a:fld id="{8CF0904D-930F-FD46-A326-BF7152BF9E0A}" type="datetimeFigureOut">
               <a:rPr lang="fr-FR" smtClean="0"/>
-              <a:t>24/03/2021</a:t>
+              <a:t>03/06/2021</a:t>
             </a:fld>
             <a:endParaRPr lang="fr-FR"/>
           </a:p>
@@ -1081,7 +1081,7 @@
           <a:p>
             <a:fld id="{8CF0904D-930F-FD46-A326-BF7152BF9E0A}" type="datetimeFigureOut">
               <a:rPr lang="fr-FR" smtClean="0"/>
-              <a:t>24/03/2021</a:t>
+              <a:t>03/06/2021</a:t>
             </a:fld>
             <a:endParaRPr lang="fr-FR"/>
           </a:p>
@@ -1249,7 +1249,7 @@
           <a:p>
             <a:fld id="{8CF0904D-930F-FD46-A326-BF7152BF9E0A}" type="datetimeFigureOut">
               <a:rPr lang="fr-FR" smtClean="0"/>
-              <a:t>24/03/2021</a:t>
+              <a:t>03/06/2021</a:t>
             </a:fld>
             <a:endParaRPr lang="fr-FR"/>
           </a:p>
@@ -1494,7 +1494,7 @@
           <a:p>
             <a:fld id="{8CF0904D-930F-FD46-A326-BF7152BF9E0A}" type="datetimeFigureOut">
               <a:rPr lang="fr-FR" smtClean="0"/>
-              <a:t>24/03/2021</a:t>
+              <a:t>03/06/2021</a:t>
             </a:fld>
             <a:endParaRPr lang="fr-FR"/>
           </a:p>
@@ -1779,7 +1779,7 @@
           <a:p>
             <a:fld id="{8CF0904D-930F-FD46-A326-BF7152BF9E0A}" type="datetimeFigureOut">
               <a:rPr lang="fr-FR" smtClean="0"/>
-              <a:t>24/03/2021</a:t>
+              <a:t>03/06/2021</a:t>
             </a:fld>
             <a:endParaRPr lang="fr-FR"/>
           </a:p>
@@ -2203,7 +2203,7 @@
           <a:p>
             <a:fld id="{8CF0904D-930F-FD46-A326-BF7152BF9E0A}" type="datetimeFigureOut">
               <a:rPr lang="fr-FR" smtClean="0"/>
-              <a:t>24/03/2021</a:t>
+              <a:t>03/06/2021</a:t>
             </a:fld>
             <a:endParaRPr lang="fr-FR"/>
           </a:p>
@@ -2320,7 +2320,7 @@
           <a:p>
             <a:fld id="{8CF0904D-930F-FD46-A326-BF7152BF9E0A}" type="datetimeFigureOut">
               <a:rPr lang="fr-FR" smtClean="0"/>
-              <a:t>24/03/2021</a:t>
+              <a:t>03/06/2021</a:t>
             </a:fld>
             <a:endParaRPr lang="fr-FR"/>
           </a:p>
@@ -2415,7 +2415,7 @@
           <a:p>
             <a:fld id="{8CF0904D-930F-FD46-A326-BF7152BF9E0A}" type="datetimeFigureOut">
               <a:rPr lang="fr-FR" smtClean="0"/>
-              <a:t>24/03/2021</a:t>
+              <a:t>03/06/2021</a:t>
             </a:fld>
             <a:endParaRPr lang="fr-FR"/>
           </a:p>
@@ -2690,7 +2690,7 @@
           <a:p>
             <a:fld id="{8CF0904D-930F-FD46-A326-BF7152BF9E0A}" type="datetimeFigureOut">
               <a:rPr lang="fr-FR" smtClean="0"/>
-              <a:t>24/03/2021</a:t>
+              <a:t>03/06/2021</a:t>
             </a:fld>
             <a:endParaRPr lang="fr-FR"/>
           </a:p>
@@ -2942,7 +2942,7 @@
           <a:p>
             <a:fld id="{8CF0904D-930F-FD46-A326-BF7152BF9E0A}" type="datetimeFigureOut">
               <a:rPr lang="fr-FR" smtClean="0"/>
-              <a:t>24/03/2021</a:t>
+              <a:t>03/06/2021</a:t>
             </a:fld>
             <a:endParaRPr lang="fr-FR"/>
           </a:p>
@@ -3153,7 +3153,7 @@
           <a:p>
             <a:fld id="{8CF0904D-930F-FD46-A326-BF7152BF9E0A}" type="datetimeFigureOut">
               <a:rPr lang="fr-FR" smtClean="0"/>
-              <a:t>24/03/2021</a:t>
+              <a:t>03/06/2021</a:t>
             </a:fld>
             <a:endParaRPr lang="fr-FR"/>
           </a:p>
@@ -4395,7 +4395,7 @@
         </p:nvSpPr>
         <p:spPr>
           <a:xfrm>
-            <a:off x="291995" y="5046083"/>
+            <a:off x="284822" y="4976905"/>
             <a:ext cx="499256" cy="499256"/>
           </a:xfrm>
           <a:prstGeom prst="ellipse">
@@ -4444,14 +4444,14 @@
           <p:nvPr>
             <p:extLst>
               <p:ext uri="{D42A27DB-BD31-4B8C-83A1-F6EECF244321}">
-                <p14:modId xmlns:p14="http://schemas.microsoft.com/office/powerpoint/2010/main" val="3800014218"/>
+                <p14:modId xmlns:p14="http://schemas.microsoft.com/office/powerpoint/2010/main" val="3196894780"/>
               </p:ext>
             </p:extLst>
           </p:nvPr>
         </p:nvGraphicFramePr>
         <p:xfrm>
-          <a:off x="806241" y="3901281"/>
-          <a:ext cx="3870690" cy="4500487"/>
+          <a:off x="806241" y="3889454"/>
+          <a:ext cx="3870690" cy="4622647"/>
         </p:xfrm>
         <a:graphic>
           <a:graphicData uri="http://schemas.openxmlformats.org/drawingml/2006/table">
@@ -4468,7 +4468,197 @@
                   </a:extLst>
                 </a:gridCol>
               </a:tblGrid>
-              <a:tr h="942506">
+              <a:tr h="867369">
+                <a:tc>
+                  <a:txBody>
+                    <a:bodyPr/>
+                    <a:lstStyle/>
+                    <a:p>
+                      <a:pPr marL="0" indent="0">
+                        <a:lnSpc>
+                          <a:spcPct val="100000"/>
+                        </a:lnSpc>
+                        <a:spcAft>
+                          <a:spcPts val="0"/>
+                        </a:spcAft>
+                        <a:buClr>
+                          <a:srgbClr val="00B050"/>
+                        </a:buClr>
+                        <a:buSzPct val="100000"/>
+                        <a:buFont typeface="Courier New" charset="0"/>
+                        <a:buNone/>
+                        <a:tabLst/>
+                      </a:pPr>
+                      <a:r>
+                        <a:rPr lang="fr-FR" sz="1100" b="1" i="0" kern="1200" baseline="0" dirty="0">
+                          <a:solidFill>
+                            <a:schemeClr val="tx1"/>
+                          </a:solidFill>
+                          <a:latin typeface="+mn-lt"/>
+                          <a:ea typeface="Times New Roman" charset="0"/>
+                          <a:cs typeface="Times New Roman" charset="0"/>
+                        </a:rPr>
+                        <a:t>Digitalisation Entreprise</a:t>
+                      </a:r>
+                    </a:p>
+                    <a:p>
+                      <a:pPr marL="0" indent="0">
+                        <a:lnSpc>
+                          <a:spcPct val="100000"/>
+                        </a:lnSpc>
+                        <a:spcAft>
+                          <a:spcPts val="0"/>
+                        </a:spcAft>
+                        <a:buClr>
+                          <a:srgbClr val="00B050"/>
+                        </a:buClr>
+                        <a:buSzPct val="100000"/>
+                        <a:buFont typeface="Courier New" charset="0"/>
+                        <a:buNone/>
+                        <a:tabLst/>
+                      </a:pPr>
+                      <a:r>
+                        <a:rPr lang="fr-FR" sz="1100" b="0" i="1" kern="1200" baseline="0" dirty="0">
+                          <a:solidFill>
+                            <a:schemeClr val="accent1">
+                              <a:lumMod val="75000"/>
+                            </a:schemeClr>
+                          </a:solidFill>
+                          <a:latin typeface="+mn-lt"/>
+                          <a:ea typeface="Times New Roman" charset="0"/>
+                          <a:cs typeface="Times New Roman" charset="0"/>
+                        </a:rPr>
+                        <a:t>U-Can (Agence de formation), </a:t>
+                      </a:r>
+                      <a:r>
+                        <a:rPr lang="fr-FR" sz="1100" b="0" i="1" kern="1200" baseline="0" dirty="0">
+                          <a:solidFill>
+                            <a:schemeClr val="accent1">
+                              <a:lumMod val="75000"/>
+                            </a:schemeClr>
+                          </a:solidFill>
+                          <a:latin typeface="+mn-lt"/>
+                          <a:cs typeface="Times New Roman" charset="0"/>
+                        </a:rPr>
+                        <a:t>Alixan (26300)</a:t>
+                      </a:r>
+                    </a:p>
+                    <a:p>
+                      <a:pPr marL="0" indent="0">
+                        <a:lnSpc>
+                          <a:spcPct val="100000"/>
+                        </a:lnSpc>
+                        <a:spcAft>
+                          <a:spcPts val="0"/>
+                        </a:spcAft>
+                        <a:buClr>
+                          <a:srgbClr val="00B050"/>
+                        </a:buClr>
+                        <a:buSzPct val="100000"/>
+                        <a:buFont typeface="Courier New" charset="0"/>
+                        <a:buNone/>
+                        <a:tabLst/>
+                      </a:pPr>
+                      <a:r>
+                        <a:rPr kumimoji="0" lang="fr-FR" sz="1100" b="0" i="0" u="none" strike="noStrike" kern="1200" cap="none" spc="0" normalizeH="0" baseline="0" dirty="0">
+                          <a:ln>
+                            <a:noFill/>
+                          </a:ln>
+                          <a:solidFill>
+                            <a:prstClr val="black">
+                              <a:lumMod val="75000"/>
+                              <a:lumOff val="25000"/>
+                            </a:prstClr>
+                          </a:solidFill>
+                          <a:effectLst/>
+                          <a:uLnTx/>
+                          <a:uFillTx/>
+                          <a:latin typeface="+mn-lt"/>
+                          <a:ea typeface="Times New Roman" charset="0"/>
+                          <a:cs typeface="Times New Roman" charset="0"/>
+                        </a:rPr>
+                        <a:t>Stage de 3 mois avec comme objectif la digitalisation et la mise a niveau de l’entreprise pour correspondre aux normes </a:t>
+                      </a:r>
+                      <a:r>
+                        <a:rPr kumimoji="0" lang="fr-FR" sz="1100" b="0" i="0" u="none" strike="noStrike" kern="1200" cap="none" spc="0" normalizeH="0" baseline="0" dirty="0" err="1">
+                          <a:ln>
+                            <a:noFill/>
+                          </a:ln>
+                          <a:solidFill>
+                            <a:prstClr val="black">
+                              <a:lumMod val="75000"/>
+                              <a:lumOff val="25000"/>
+                            </a:prstClr>
+                          </a:solidFill>
+                          <a:effectLst/>
+                          <a:uLnTx/>
+                          <a:uFillTx/>
+                          <a:latin typeface="+mn-lt"/>
+                          <a:ea typeface="Times New Roman" charset="0"/>
+                          <a:cs typeface="Times New Roman" charset="0"/>
+                        </a:rPr>
+                        <a:t>Qualiopi</a:t>
+                      </a:r>
+                      <a:r>
+                        <a:rPr kumimoji="0" lang="fr-FR" sz="1100" b="0" i="0" u="none" strike="noStrike" kern="1200" cap="none" spc="0" normalizeH="0" baseline="0" dirty="0">
+                          <a:ln>
+                            <a:noFill/>
+                          </a:ln>
+                          <a:solidFill>
+                            <a:prstClr val="black">
+                              <a:lumMod val="75000"/>
+                              <a:lumOff val="25000"/>
+                            </a:prstClr>
+                          </a:solidFill>
+                          <a:effectLst/>
+                          <a:uLnTx/>
+                          <a:uFillTx/>
+                          <a:latin typeface="+mn-lt"/>
+                          <a:ea typeface="Times New Roman" charset="0"/>
+                          <a:cs typeface="Times New Roman" charset="0"/>
+                        </a:rPr>
+                        <a:t> de 2021</a:t>
+                      </a:r>
+                    </a:p>
+                  </a:txBody>
+                  <a:tcPr marL="86222" marR="86222" marT="43111" marB="43111">
+                    <a:lnL w="3175" cap="flat" cmpd="sng" algn="ctr">
+                      <a:noFill/>
+                      <a:prstDash val="solid"/>
+                      <a:round/>
+                      <a:headEnd type="none" w="med" len="med"/>
+                      <a:tailEnd type="none" w="med" len="med"/>
+                    </a:lnL>
+                    <a:lnR w="12700" cmpd="sng">
+                      <a:noFill/>
+                    </a:lnR>
+                    <a:lnT w="12700" cmpd="sng">
+                      <a:noFill/>
+                    </a:lnT>
+                    <a:lnB w="9525" cap="flat" cmpd="sng" algn="ctr">
+                      <a:noFill/>
+                      <a:prstDash val="solid"/>
+                      <a:round/>
+                      <a:headEnd type="none" w="med" len="med"/>
+                      <a:tailEnd type="none" w="med" len="med"/>
+                    </a:lnB>
+                    <a:lnTlToBr w="12700" cmpd="sng">
+                      <a:noFill/>
+                      <a:prstDash val="solid"/>
+                    </a:lnTlToBr>
+                    <a:lnBlToTr w="12700" cmpd="sng">
+                      <a:noFill/>
+                      <a:prstDash val="solid"/>
+                    </a:lnBlToTr>
+                  </a:tcPr>
+                </a:tc>
+                <a:extLst>
+                  <a:ext uri="{0D108BD9-81ED-4DB2-BD59-A6C34878D82A}">
+                    <a16:rowId xmlns:a16="http://schemas.microsoft.com/office/drawing/2014/main" val="10000"/>
+                  </a:ext>
+                </a:extLst>
+              </a:tr>
+              <a:tr h="1226744">
                 <a:tc>
                   <a:txBody>
                     <a:bodyPr/>
@@ -4621,11 +4811,11 @@
                 </a:tc>
                 <a:extLst>
                   <a:ext uri="{0D108BD9-81ED-4DB2-BD59-A6C34878D82A}">
-                    <a16:rowId xmlns:a16="http://schemas.microsoft.com/office/drawing/2014/main" val="10000"/>
+                    <a16:rowId xmlns:a16="http://schemas.microsoft.com/office/drawing/2014/main" val="421901542"/>
                   </a:ext>
                 </a:extLst>
               </a:tr>
-              <a:tr h="1308416">
+              <a:tr h="1415060">
                 <a:tc>
                   <a:txBody>
                     <a:bodyPr/>
@@ -4827,8 +5017,12 @@
                     <a:lnR w="12700" cmpd="sng">
                       <a:noFill/>
                     </a:lnR>
-                    <a:lnT w="12700" cmpd="sng">
+                    <a:lnT w="19050" cap="flat" cmpd="sng" algn="ctr">
                       <a:noFill/>
+                      <a:prstDash val="solid"/>
+                      <a:round/>
+                      <a:headEnd type="none" w="med" len="med"/>
+                      <a:tailEnd type="none" w="med" len="med"/>
                     </a:lnT>
                     <a:lnB w="9525" cap="flat" cmpd="sng" algn="ctr">
                       <a:noFill/>
@@ -4849,11 +5043,11 @@
                 </a:tc>
                 <a:extLst>
                   <a:ext uri="{0D108BD9-81ED-4DB2-BD59-A6C34878D82A}">
-                    <a16:rowId xmlns:a16="http://schemas.microsoft.com/office/drawing/2014/main" val="421901542"/>
+                    <a16:rowId xmlns:a16="http://schemas.microsoft.com/office/drawing/2014/main" val="10001"/>
                   </a:ext>
                 </a:extLst>
               </a:tr>
-              <a:tr h="976143">
+              <a:tr h="1056421">
                 <a:tc>
                   <a:txBody>
                     <a:bodyPr/>
@@ -4907,19 +5101,6 @@
                         <a:defRPr/>
                       </a:pPr>
                       <a:r>
-                        <a:rPr lang="fr-FR" sz="1100" b="0" i="1" baseline="0">
-                          <a:solidFill>
-                            <a:schemeClr val="accent1">
-                              <a:lumMod val="75000"/>
-                            </a:schemeClr>
-                          </a:solidFill>
-                          <a:latin typeface="+mn-lt"/>
-                          <a:ea typeface="Times New Roman" charset="0"/>
-                          <a:cs typeface="Times New Roman" charset="0"/>
-                        </a:rPr>
-                        <a:t>Créa-Cuisine</a:t>
-                      </a:r>
-                      <a:r>
                         <a:rPr lang="fr-FR" sz="1100" b="0" i="1" baseline="0" dirty="0">
                           <a:solidFill>
                             <a:schemeClr val="accent1">
@@ -4930,7 +5111,7 @@
                           <a:ea typeface="Times New Roman" charset="0"/>
                           <a:cs typeface="Times New Roman" charset="0"/>
                         </a:rPr>
-                        <a:t>, Voiron (38500)</a:t>
+                        <a:t>Créa-Cuisine, Voiron (38500)</a:t>
                       </a:r>
                     </a:p>
                     <a:p>
@@ -5012,156 +5193,6 @@
                 </a:tc>
                 <a:extLst>
                   <a:ext uri="{0D108BD9-81ED-4DB2-BD59-A6C34878D82A}">
-                    <a16:rowId xmlns:a16="http://schemas.microsoft.com/office/drawing/2014/main" val="10001"/>
-                  </a:ext>
-                </a:extLst>
-              </a:tr>
-              <a:tr h="1123866">
-                <a:tc>
-                  <a:txBody>
-                    <a:bodyPr/>
-                    <a:lstStyle/>
-                    <a:p>
-                      <a:pPr marL="0" indent="0">
-                        <a:lnSpc>
-                          <a:spcPct val="100000"/>
-                        </a:lnSpc>
-                        <a:spcAft>
-                          <a:spcPts val="0"/>
-                        </a:spcAft>
-                        <a:buClr>
-                          <a:srgbClr val="00B050"/>
-                        </a:buClr>
-                        <a:buSzPct val="100000"/>
-                        <a:buFont typeface="Courier New" charset="0"/>
-                        <a:buNone/>
-                        <a:tabLst/>
-                      </a:pPr>
-                      <a:r>
-                        <a:rPr lang="fr-FR" sz="1100" b="1" i="0" baseline="0" dirty="0">
-                          <a:solidFill>
-                            <a:schemeClr val="tx1"/>
-                          </a:solidFill>
-                          <a:latin typeface="+mn-lt"/>
-                          <a:ea typeface="Times New Roman" charset="0"/>
-                          <a:cs typeface="Times New Roman" charset="0"/>
-                        </a:rPr>
-                        <a:t>Technicien</a:t>
-                      </a:r>
-                    </a:p>
-                    <a:p>
-                      <a:pPr marL="0" marR="0" indent="0" algn="l" defTabSz="457200" rtl="0" eaLnBrk="1" fontAlgn="auto" latinLnBrk="0" hangingPunct="1">
-                        <a:lnSpc>
-                          <a:spcPct val="100000"/>
-                        </a:lnSpc>
-                        <a:spcBef>
-                          <a:spcPts val="0"/>
-                        </a:spcBef>
-                        <a:spcAft>
-                          <a:spcPts val="0"/>
-                        </a:spcAft>
-                        <a:buClr>
-                          <a:srgbClr val="00B050"/>
-                        </a:buClr>
-                        <a:buSzPct val="100000"/>
-                        <a:buFont typeface="Courier New" charset="0"/>
-                        <a:buNone/>
-                        <a:tabLst/>
-                        <a:defRPr/>
-                      </a:pPr>
-                      <a:r>
-                        <a:rPr lang="fr-FR" sz="1100" b="0" i="1" baseline="0" dirty="0">
-                          <a:solidFill>
-                            <a:schemeClr val="accent1">
-                              <a:lumMod val="75000"/>
-                            </a:schemeClr>
-                          </a:solidFill>
-                          <a:latin typeface="+mn-lt"/>
-                          <a:ea typeface="Times New Roman" charset="0"/>
-                          <a:cs typeface="Times New Roman" charset="0"/>
-                        </a:rPr>
-                        <a:t>Laser 3000 (Exploitation de jeux), Cran-Gevrier (74093)</a:t>
-                      </a:r>
-                    </a:p>
-                    <a:p>
-                      <a:pPr marL="0" marR="0" indent="0" algn="l" defTabSz="457200" rtl="0" eaLnBrk="1" fontAlgn="auto" latinLnBrk="0" hangingPunct="1">
-                        <a:lnSpc>
-                          <a:spcPct val="100000"/>
-                        </a:lnSpc>
-                        <a:spcBef>
-                          <a:spcPts val="0"/>
-                        </a:spcBef>
-                        <a:spcAft>
-                          <a:spcPts val="0"/>
-                        </a:spcAft>
-                        <a:buClr>
-                          <a:srgbClr val="00B050"/>
-                        </a:buClr>
-                        <a:buSzPct val="100000"/>
-                        <a:buFont typeface="Courier New" charset="0"/>
-                        <a:buNone/>
-                        <a:tabLst/>
-                        <a:defRPr/>
-                      </a:pPr>
-                      <a:r>
-                        <a:rPr kumimoji="0" lang="fr-FR" sz="1100" b="0" i="0" u="none" strike="noStrike" kern="1200" cap="none" spc="0" normalizeH="0" baseline="0" dirty="0">
-                          <a:ln>
-                            <a:noFill/>
-                          </a:ln>
-                          <a:solidFill>
-                            <a:prstClr val="black">
-                              <a:lumMod val="75000"/>
-                              <a:lumOff val="25000"/>
-                            </a:prstClr>
-                          </a:solidFill>
-                          <a:effectLst/>
-                          <a:uLnTx/>
-                          <a:uFillTx/>
-                          <a:latin typeface="+mn-lt"/>
-                          <a:ea typeface="Times New Roman" charset="0"/>
-                          <a:cs typeface="Times New Roman" charset="0"/>
-                        </a:rPr>
-                        <a:t>Pendant les mois de juillet, j’ai effectué des remplacements de technicien avec réparation et entretien de jeux d’arcade, simulateur, babyfoots, billards, flippeur.</a:t>
-                      </a:r>
-                    </a:p>
-                  </a:txBody>
-                  <a:tcPr marL="86222" marR="86222" marT="43111" marB="43111">
-                    <a:lnL w="3175" cap="flat" cmpd="sng" algn="ctr">
-                      <a:noFill/>
-                      <a:prstDash val="solid"/>
-                      <a:round/>
-                      <a:headEnd type="none" w="med" len="med"/>
-                      <a:tailEnd type="none" w="med" len="med"/>
-                    </a:lnL>
-                    <a:lnR w="12700" cmpd="sng">
-                      <a:noFill/>
-                    </a:lnR>
-                    <a:lnT w="19050" cap="flat" cmpd="sng" algn="ctr">
-                      <a:noFill/>
-                      <a:prstDash val="solid"/>
-                      <a:round/>
-                      <a:headEnd type="none" w="med" len="med"/>
-                      <a:tailEnd type="none" w="med" len="med"/>
-                    </a:lnT>
-                    <a:lnB w="9525" cap="flat" cmpd="sng" algn="ctr">
-                      <a:noFill/>
-                      <a:prstDash val="solid"/>
-                      <a:round/>
-                      <a:headEnd type="none" w="med" len="med"/>
-                      <a:tailEnd type="none" w="med" len="med"/>
-                    </a:lnB>
-                    <a:lnTlToBr w="12700" cmpd="sng">
-                      <a:noFill/>
-                      <a:prstDash val="solid"/>
-                    </a:lnTlToBr>
-                    <a:lnBlToTr w="12700" cmpd="sng">
-                      <a:noFill/>
-                      <a:prstDash val="solid"/>
-                    </a:lnBlToTr>
-                  </a:tcPr>
-                </a:tc>
-                <a:extLst>
-                  <a:ext uri="{0D108BD9-81ED-4DB2-BD59-A6C34878D82A}">
                     <a16:rowId xmlns:a16="http://schemas.microsoft.com/office/drawing/2014/main" val="10002"/>
                   </a:ext>
                 </a:extLst>
@@ -5178,7 +5209,7 @@
         </p:nvSpPr>
         <p:spPr>
           <a:xfrm>
-            <a:off x="282899" y="6293653"/>
+            <a:off x="288059" y="6159348"/>
             <a:ext cx="499256" cy="499256"/>
           </a:xfrm>
           <a:prstGeom prst="ellipse">
@@ -5226,7 +5257,7 @@
         </p:nvSpPr>
         <p:spPr>
           <a:xfrm>
-            <a:off x="282899" y="7225371"/>
+            <a:off x="288104" y="7590519"/>
             <a:ext cx="499256" cy="499256"/>
           </a:xfrm>
           <a:prstGeom prst="ellipse">
@@ -5274,7 +5305,7 @@
         </p:nvSpPr>
         <p:spPr>
           <a:xfrm>
-            <a:off x="270199" y="6417680"/>
+            <a:off x="284500" y="7714452"/>
             <a:ext cx="524656" cy="253916"/>
           </a:xfrm>
           <a:prstGeom prst="rect">
@@ -6009,7 +6040,7 @@
         <p:spPr>
           <a:xfrm>
             <a:off x="163484" y="1658220"/>
-            <a:ext cx="4459992" cy="1492716"/>
+            <a:ext cx="4459992" cy="1692771"/>
           </a:xfrm>
           <a:prstGeom prst="rect">
             <a:avLst/>
@@ -6031,7 +6062,7 @@
                   <a:schemeClr val="bg1"/>
                 </a:solidFill>
               </a:rPr>
-              <a:t>Je recherche une alternance ou un stage de fin d’année pour ma formation Prépa Mastère Digital, de préférence dans le web. Je m’y intéresse depuis longtemps et je cherche actuellement à me spécialiser en associant ma passion au monde du travail. </a:t>
+              <a:t>Je recherche une alternance pour ma formation Prépa Mastère Digital, de préférence dans le web. Je m’y intéresse depuis longtemps et je cherche actuellement à me spécialiser en associant ma passion au monde du travail. </a:t>
             </a:r>
           </a:p>
           <a:p>
@@ -6046,6 +6077,26 @@
               </a:rPr>
               <a:t>J’ai le sens de l’initiative et aime travailler en équipe.</a:t>
             </a:r>
+          </a:p>
+          <a:p>
+            <a:pPr algn="just" defTabSz="685800">
+              <a:defRPr/>
+            </a:pPr>
+            <a:endParaRPr lang="fr-FR" sz="1300" dirty="0">
+              <a:solidFill>
+                <a:schemeClr val="bg1"/>
+              </a:solidFill>
+            </a:endParaRPr>
+          </a:p>
+          <a:p>
+            <a:pPr algn="just" defTabSz="685800">
+              <a:defRPr/>
+            </a:pPr>
+            <a:endParaRPr lang="fr-FR" sz="1300" dirty="0">
+              <a:solidFill>
+                <a:schemeClr val="bg1"/>
+              </a:solidFill>
+            </a:endParaRPr>
           </a:p>
           <a:p>
             <a:pPr algn="just" defTabSz="685800">
@@ -6527,7 +6578,7 @@
         </p:nvSpPr>
         <p:spPr>
           <a:xfrm>
-            <a:off x="5117952" y="6854175"/>
+            <a:off x="5117952" y="6841475"/>
             <a:ext cx="1988236" cy="66741"/>
           </a:xfrm>
           <a:prstGeom prst="rect">
@@ -6579,7 +6630,7 @@
         </p:nvSpPr>
         <p:spPr>
           <a:xfrm>
-            <a:off x="5117952" y="7219499"/>
+            <a:off x="5117952" y="7209874"/>
             <a:ext cx="1608291" cy="73289"/>
           </a:xfrm>
           <a:prstGeom prst="rect">
@@ -6827,40 +6878,6 @@
       </p:sp>
       <p:sp>
         <p:nvSpPr>
-          <p:cNvPr id="30" name="TextBox 29"/>
-          <p:cNvSpPr txBox="1"/>
-          <p:nvPr/>
-        </p:nvSpPr>
-        <p:spPr>
-          <a:xfrm>
-            <a:off x="281585" y="7267250"/>
-            <a:ext cx="524656" cy="415498"/>
-          </a:xfrm>
-          <a:prstGeom prst="rect">
-            <a:avLst/>
-          </a:prstGeom>
-          <a:noFill/>
-        </p:spPr>
-        <p:txBody>
-          <a:bodyPr wrap="square" rtlCol="0">
-            <a:spAutoFit/>
-          </a:bodyPr>
-          <a:lstStyle/>
-          <a:p>
-            <a:pPr algn="ctr"/>
-            <a:r>
-              <a:rPr lang="en-US" sz="1050" dirty="0">
-                <a:solidFill>
-                  <a:schemeClr val="bg1"/>
-                </a:solidFill>
-              </a:rPr>
-              <a:t>2015-2019</a:t>
-            </a:r>
-          </a:p>
-        </p:txBody>
-      </p:sp>
-      <p:sp>
-        <p:nvSpPr>
           <p:cNvPr id="56" name="TextBox 31">
             <a:extLst>
               <a:ext uri="{FF2B5EF4-FFF2-40B4-BE49-F238E27FC236}">
@@ -6873,7 +6890,7 @@
         </p:nvSpPr>
         <p:spPr>
           <a:xfrm>
-            <a:off x="282899" y="5165293"/>
+            <a:off x="277899" y="6289570"/>
             <a:ext cx="524656" cy="253916"/>
           </a:xfrm>
           <a:prstGeom prst="rect">
@@ -7036,7 +7053,7 @@
         </p:nvSpPr>
         <p:spPr>
           <a:xfrm>
-            <a:off x="291995" y="4053385"/>
+            <a:off x="288104" y="4081364"/>
             <a:ext cx="499256" cy="499256"/>
           </a:xfrm>
           <a:prstGeom prst="ellipse">
@@ -7090,7 +7107,47 @@
         </p:nvSpPr>
         <p:spPr>
           <a:xfrm>
-            <a:off x="282899" y="4172595"/>
+            <a:off x="275197" y="5102791"/>
+            <a:ext cx="524656" cy="253916"/>
+          </a:xfrm>
+          <a:prstGeom prst="rect">
+            <a:avLst/>
+          </a:prstGeom>
+          <a:noFill/>
+        </p:spPr>
+        <p:txBody>
+          <a:bodyPr wrap="square" rtlCol="0">
+            <a:spAutoFit/>
+          </a:bodyPr>
+          <a:lstStyle/>
+          <a:p>
+            <a:pPr algn="ctr"/>
+            <a:r>
+              <a:rPr lang="en-US" sz="1050" dirty="0">
+                <a:solidFill>
+                  <a:schemeClr val="bg1"/>
+                </a:solidFill>
+              </a:rPr>
+              <a:t>2021</a:t>
+            </a:r>
+          </a:p>
+        </p:txBody>
+      </p:sp>
+      <p:sp>
+        <p:nvSpPr>
+          <p:cNvPr id="60" name="TextBox 31">
+            <a:extLst>
+              <a:ext uri="{FF2B5EF4-FFF2-40B4-BE49-F238E27FC236}">
+                <a16:creationId xmlns:a16="http://schemas.microsoft.com/office/drawing/2014/main" id="{489EBE4B-3607-4A0F-9B10-D2F0F5504995}"/>
+              </a:ext>
+            </a:extLst>
+          </p:cNvPr>
+          <p:cNvSpPr txBox="1"/>
+          <p:nvPr/>
+        </p:nvSpPr>
+        <p:spPr>
+          <a:xfrm>
+            <a:off x="276977" y="4208370"/>
             <a:ext cx="524656" cy="253916"/>
           </a:xfrm>
           <a:prstGeom prst="rect">

--- a/cv.pptx
+++ b/cv.pptx
@@ -207,7 +207,7 @@
           </a:lstStyle>
           <a:p>
             <a:fld id="{6BFF9852-8A9D-FA43-9BC6-1FE6D867865C}" type="datetimeFigureOut">
-              <a:t>03/06/2021</a:t>
+              <a:t>20/07/2021</a:t>
             </a:fld>
             <a:endParaRPr lang="en-US"/>
           </a:p>
@@ -735,7 +735,7 @@
           <a:p>
             <a:fld id="{8CF0904D-930F-FD46-A326-BF7152BF9E0A}" type="datetimeFigureOut">
               <a:rPr lang="fr-FR" smtClean="0"/>
-              <a:t>03/06/2021</a:t>
+              <a:t>20/07/2021</a:t>
             </a:fld>
             <a:endParaRPr lang="fr-FR"/>
           </a:p>
@@ -903,7 +903,7 @@
           <a:p>
             <a:fld id="{8CF0904D-930F-FD46-A326-BF7152BF9E0A}" type="datetimeFigureOut">
               <a:rPr lang="fr-FR" smtClean="0"/>
-              <a:t>03/06/2021</a:t>
+              <a:t>20/07/2021</a:t>
             </a:fld>
             <a:endParaRPr lang="fr-FR"/>
           </a:p>
@@ -1081,7 +1081,7 @@
           <a:p>
             <a:fld id="{8CF0904D-930F-FD46-A326-BF7152BF9E0A}" type="datetimeFigureOut">
               <a:rPr lang="fr-FR" smtClean="0"/>
-              <a:t>03/06/2021</a:t>
+              <a:t>20/07/2021</a:t>
             </a:fld>
             <a:endParaRPr lang="fr-FR"/>
           </a:p>
@@ -1249,7 +1249,7 @@
           <a:p>
             <a:fld id="{8CF0904D-930F-FD46-A326-BF7152BF9E0A}" type="datetimeFigureOut">
               <a:rPr lang="fr-FR" smtClean="0"/>
-              <a:t>03/06/2021</a:t>
+              <a:t>20/07/2021</a:t>
             </a:fld>
             <a:endParaRPr lang="fr-FR"/>
           </a:p>
@@ -1494,7 +1494,7 @@
           <a:p>
             <a:fld id="{8CF0904D-930F-FD46-A326-BF7152BF9E0A}" type="datetimeFigureOut">
               <a:rPr lang="fr-FR" smtClean="0"/>
-              <a:t>03/06/2021</a:t>
+              <a:t>20/07/2021</a:t>
             </a:fld>
             <a:endParaRPr lang="fr-FR"/>
           </a:p>
@@ -1779,7 +1779,7 @@
           <a:p>
             <a:fld id="{8CF0904D-930F-FD46-A326-BF7152BF9E0A}" type="datetimeFigureOut">
               <a:rPr lang="fr-FR" smtClean="0"/>
-              <a:t>03/06/2021</a:t>
+              <a:t>20/07/2021</a:t>
             </a:fld>
             <a:endParaRPr lang="fr-FR"/>
           </a:p>
@@ -2203,7 +2203,7 @@
           <a:p>
             <a:fld id="{8CF0904D-930F-FD46-A326-BF7152BF9E0A}" type="datetimeFigureOut">
               <a:rPr lang="fr-FR" smtClean="0"/>
-              <a:t>03/06/2021</a:t>
+              <a:t>20/07/2021</a:t>
             </a:fld>
             <a:endParaRPr lang="fr-FR"/>
           </a:p>
@@ -2320,7 +2320,7 @@
           <a:p>
             <a:fld id="{8CF0904D-930F-FD46-A326-BF7152BF9E0A}" type="datetimeFigureOut">
               <a:rPr lang="fr-FR" smtClean="0"/>
-              <a:t>03/06/2021</a:t>
+              <a:t>20/07/2021</a:t>
             </a:fld>
             <a:endParaRPr lang="fr-FR"/>
           </a:p>
@@ -2415,7 +2415,7 @@
           <a:p>
             <a:fld id="{8CF0904D-930F-FD46-A326-BF7152BF9E0A}" type="datetimeFigureOut">
               <a:rPr lang="fr-FR" smtClean="0"/>
-              <a:t>03/06/2021</a:t>
+              <a:t>20/07/2021</a:t>
             </a:fld>
             <a:endParaRPr lang="fr-FR"/>
           </a:p>
@@ -2690,7 +2690,7 @@
           <a:p>
             <a:fld id="{8CF0904D-930F-FD46-A326-BF7152BF9E0A}" type="datetimeFigureOut">
               <a:rPr lang="fr-FR" smtClean="0"/>
-              <a:t>03/06/2021</a:t>
+              <a:t>20/07/2021</a:t>
             </a:fld>
             <a:endParaRPr lang="fr-FR"/>
           </a:p>
@@ -2942,7 +2942,7 @@
           <a:p>
             <a:fld id="{8CF0904D-930F-FD46-A326-BF7152BF9E0A}" type="datetimeFigureOut">
               <a:rPr lang="fr-FR" smtClean="0"/>
-              <a:t>03/06/2021</a:t>
+              <a:t>20/07/2021</a:t>
             </a:fld>
             <a:endParaRPr lang="fr-FR"/>
           </a:p>
@@ -3153,7 +3153,7 @@
           <a:p>
             <a:fld id="{8CF0904D-930F-FD46-A326-BF7152BF9E0A}" type="datetimeFigureOut">
               <a:rPr lang="fr-FR" smtClean="0"/>
-              <a:t>03/06/2021</a:t>
+              <a:t>20/07/2021</a:t>
             </a:fld>
             <a:endParaRPr lang="fr-FR"/>
           </a:p>
@@ -4444,14 +4444,14 @@
           <p:nvPr>
             <p:extLst>
               <p:ext uri="{D42A27DB-BD31-4B8C-83A1-F6EECF244321}">
-                <p14:modId xmlns:p14="http://schemas.microsoft.com/office/powerpoint/2010/main" val="3196894780"/>
+                <p14:modId xmlns:p14="http://schemas.microsoft.com/office/powerpoint/2010/main" val="2631379666"/>
               </p:ext>
             </p:extLst>
           </p:nvPr>
         </p:nvGraphicFramePr>
         <p:xfrm>
           <a:off x="806241" y="3889454"/>
-          <a:ext cx="3870690" cy="4622647"/>
+          <a:ext cx="3870690" cy="4467289"/>
         </p:xfrm>
         <a:graphic>
           <a:graphicData uri="http://schemas.openxmlformats.org/drawingml/2006/table">
@@ -4815,7 +4815,7 @@
                   </a:ext>
                 </a:extLst>
               </a:tr>
-              <a:tr h="1415060">
+              <a:tr h="1244100">
                 <a:tc>
                   <a:txBody>
                     <a:bodyPr/>
@@ -5257,7 +5257,7 @@
         </p:nvSpPr>
         <p:spPr>
           <a:xfrm>
-            <a:off x="288104" y="7590519"/>
+            <a:off x="288104" y="7478759"/>
             <a:ext cx="499256" cy="499256"/>
           </a:xfrm>
           <a:prstGeom prst="ellipse">
@@ -5305,7 +5305,7 @@
         </p:nvSpPr>
         <p:spPr>
           <a:xfrm>
-            <a:off x="284500" y="7714452"/>
+            <a:off x="284500" y="7602692"/>
             <a:ext cx="524656" cy="253916"/>
           </a:xfrm>
           <a:prstGeom prst="rect">
@@ -5339,7 +5339,7 @@
         </p:nvSpPr>
         <p:spPr>
           <a:xfrm>
-            <a:off x="198409" y="8227805"/>
+            <a:off x="198409" y="8095725"/>
             <a:ext cx="3710294" cy="400110"/>
           </a:xfrm>
           <a:prstGeom prst="rect">
@@ -5374,7 +5374,7 @@
         </p:nvCxnSpPr>
         <p:spPr>
           <a:xfrm>
-            <a:off x="284500" y="8597449"/>
+            <a:off x="284500" y="8465369"/>
             <a:ext cx="4377441" cy="0"/>
           </a:xfrm>
           <a:prstGeom prst="line">
@@ -5413,14 +5413,14 @@
           <p:nvPr>
             <p:extLst>
               <p:ext uri="{D42A27DB-BD31-4B8C-83A1-F6EECF244321}">
-                <p14:modId xmlns:p14="http://schemas.microsoft.com/office/powerpoint/2010/main" val="1737535917"/>
+                <p14:modId xmlns:p14="http://schemas.microsoft.com/office/powerpoint/2010/main" val="1053437274"/>
               </p:ext>
             </p:extLst>
           </p:nvPr>
         </p:nvGraphicFramePr>
         <p:xfrm>
-          <a:off x="806241" y="8670845"/>
-          <a:ext cx="3870690" cy="2376139"/>
+          <a:off x="806241" y="8316537"/>
+          <a:ext cx="3870690" cy="3179809"/>
         </p:xfrm>
         <a:graphic>
           <a:graphicData uri="http://schemas.openxmlformats.org/drawingml/2006/table">
@@ -5437,11 +5437,160 @@
                   </a:extLst>
                 </a:gridCol>
               </a:tblGrid>
-              <a:tr h="959185">
+              <a:tr h="1685775">
                 <a:tc>
                   <a:txBody>
                     <a:bodyPr/>
                     <a:lstStyle/>
+                    <a:p>
+                      <a:pPr marL="0" indent="0">
+                        <a:lnSpc>
+                          <a:spcPct val="100000"/>
+                        </a:lnSpc>
+                        <a:spcAft>
+                          <a:spcPts val="0"/>
+                        </a:spcAft>
+                        <a:buClr>
+                          <a:srgbClr val="00B050"/>
+                        </a:buClr>
+                        <a:buSzPct val="100000"/>
+                        <a:buFont typeface="Courier New" charset="0"/>
+                        <a:buNone/>
+                        <a:tabLst/>
+                      </a:pPr>
+                      <a:endParaRPr lang="fr-FR" sz="1100" b="1" i="0" baseline="0" dirty="0">
+                        <a:solidFill>
+                          <a:schemeClr val="tx1"/>
+                        </a:solidFill>
+                        <a:latin typeface="+mn-lt"/>
+                        <a:ea typeface="Times New Roman" charset="0"/>
+                        <a:cs typeface="Times New Roman" charset="0"/>
+                      </a:endParaRPr>
+                    </a:p>
+                    <a:p>
+                      <a:pPr marL="0" indent="0">
+                        <a:lnSpc>
+                          <a:spcPct val="100000"/>
+                        </a:lnSpc>
+                        <a:spcAft>
+                          <a:spcPts val="0"/>
+                        </a:spcAft>
+                        <a:buClr>
+                          <a:srgbClr val="00B050"/>
+                        </a:buClr>
+                        <a:buSzPct val="100000"/>
+                        <a:buFont typeface="Courier New" charset="0"/>
+                        <a:buNone/>
+                        <a:tabLst/>
+                      </a:pPr>
+                      <a:r>
+                        <a:rPr lang="fr-FR" sz="1100" b="1" i="0" baseline="0" dirty="0">
+                          <a:solidFill>
+                            <a:schemeClr val="tx1"/>
+                          </a:solidFill>
+                          <a:latin typeface="+mn-lt"/>
+                          <a:ea typeface="Times New Roman" charset="0"/>
+                          <a:cs typeface="Times New Roman" charset="0"/>
+                        </a:rPr>
+                        <a:t>Digital Campus Lyon</a:t>
+                      </a:r>
+                      <a:endParaRPr lang="fr-FR" sz="1100" b="0" i="1" baseline="0" dirty="0">
+                        <a:solidFill>
+                          <a:schemeClr val="accent1">
+                            <a:lumMod val="75000"/>
+                          </a:schemeClr>
+                        </a:solidFill>
+                        <a:latin typeface="+mn-lt"/>
+                        <a:ea typeface="Times New Roman" charset="0"/>
+                        <a:cs typeface="Times New Roman" charset="0"/>
+                      </a:endParaRPr>
+                    </a:p>
+                    <a:p>
+                      <a:pPr marL="0" indent="0">
+                        <a:lnSpc>
+                          <a:spcPct val="100000"/>
+                        </a:lnSpc>
+                        <a:spcAft>
+                          <a:spcPts val="0"/>
+                        </a:spcAft>
+                        <a:buClr>
+                          <a:srgbClr val="00B050"/>
+                        </a:buClr>
+                        <a:buSzPct val="100000"/>
+                        <a:buFont typeface="Courier New" charset="0"/>
+                        <a:buNone/>
+                        <a:tabLst/>
+                      </a:pPr>
+                      <a:r>
+                        <a:rPr lang="fr-FR" sz="1100" b="0" i="1" baseline="0" dirty="0">
+                          <a:solidFill>
+                            <a:schemeClr val="accent1">
+                              <a:lumMod val="75000"/>
+                            </a:schemeClr>
+                          </a:solidFill>
+                          <a:latin typeface="+mn-lt"/>
+                          <a:ea typeface="Times New Roman" charset="0"/>
+                          <a:cs typeface="Times New Roman" charset="0"/>
+                        </a:rPr>
+                        <a:t>Mastère UX Design</a:t>
+                      </a:r>
+                    </a:p>
+                    <a:p>
+                      <a:pPr marL="0" indent="0">
+                        <a:lnSpc>
+                          <a:spcPct val="100000"/>
+                        </a:lnSpc>
+                        <a:spcAft>
+                          <a:spcPts val="0"/>
+                        </a:spcAft>
+                        <a:buClr>
+                          <a:srgbClr val="00B050"/>
+                        </a:buClr>
+                        <a:buSzPct val="100000"/>
+                        <a:buFont typeface="Courier New" charset="0"/>
+                        <a:buNone/>
+                        <a:tabLst/>
+                      </a:pPr>
+                      <a:r>
+                        <a:rPr lang="fr-FR" sz="1100" b="0" i="0" dirty="0">
+                          <a:solidFill>
+                            <a:schemeClr val="tx1">
+                              <a:lumMod val="75000"/>
+                              <a:lumOff val="25000"/>
+                            </a:schemeClr>
+                          </a:solidFill>
+                          <a:latin typeface="+mn-lt"/>
+                          <a:ea typeface="Times New Roman" charset="0"/>
+                          <a:cs typeface="Times New Roman" charset="0"/>
+                        </a:rPr>
+                        <a:t>Lyon (69003)</a:t>
+                      </a:r>
+                    </a:p>
+                    <a:p>
+                      <a:pPr marL="0" indent="0">
+                        <a:lnSpc>
+                          <a:spcPct val="100000"/>
+                        </a:lnSpc>
+                        <a:spcAft>
+                          <a:spcPts val="0"/>
+                        </a:spcAft>
+                        <a:buClr>
+                          <a:srgbClr val="00B050"/>
+                        </a:buClr>
+                        <a:buSzPct val="100000"/>
+                        <a:buFont typeface="Courier New" charset="0"/>
+                        <a:buNone/>
+                        <a:tabLst/>
+                      </a:pPr>
+                      <a:endParaRPr lang="fr-FR" sz="100" b="1" i="0" baseline="0" dirty="0">
+                        <a:solidFill>
+                          <a:schemeClr val="tx1"/>
+                        </a:solidFill>
+                        <a:latin typeface="+mn-lt"/>
+                        <a:ea typeface="Times New Roman" charset="0"/>
+                        <a:cs typeface="Times New Roman" charset="0"/>
+                      </a:endParaRPr>
+                    </a:p>
                     <a:p>
                       <a:pPr marL="0" indent="0">
                         <a:lnSpc>
@@ -5547,9 +5696,12 @@
                         <a:buNone/>
                         <a:tabLst/>
                       </a:pPr>
-                      <a:endParaRPr lang="fr-FR" sz="1100" b="1" i="0" baseline="0" dirty="0">
+                      <a:endParaRPr lang="fr-FR" sz="200" b="0" i="0" dirty="0">
                         <a:solidFill>
-                          <a:schemeClr val="tx1"/>
+                          <a:schemeClr val="tx1">
+                            <a:lumMod val="75000"/>
+                            <a:lumOff val="25000"/>
+                          </a:schemeClr>
                         </a:solidFill>
                         <a:latin typeface="+mn-lt"/>
                         <a:ea typeface="Times New Roman" charset="0"/>
@@ -5683,7 +5835,7 @@
                   </a:ext>
                 </a:extLst>
               </a:tr>
-              <a:tr h="1116437">
+              <a:tr h="1371467">
                 <a:tc>
                   <a:txBody>
                     <a:bodyPr/>
@@ -5861,7 +6013,7 @@
         </p:nvSpPr>
         <p:spPr>
           <a:xfrm>
-            <a:off x="291995" y="9361087"/>
+            <a:off x="291995" y="9601752"/>
             <a:ext cx="499256" cy="499256"/>
           </a:xfrm>
           <a:prstGeom prst="ellipse">
@@ -5909,7 +6061,7 @@
         </p:nvSpPr>
         <p:spPr>
           <a:xfrm>
-            <a:off x="281585" y="9430789"/>
+            <a:off x="281585" y="9649229"/>
             <a:ext cx="524656" cy="415498"/>
           </a:xfrm>
           <a:prstGeom prst="rect">
@@ -5943,7 +6095,7 @@
         </p:nvSpPr>
         <p:spPr>
           <a:xfrm>
-            <a:off x="291995" y="9988687"/>
+            <a:off x="291995" y="10136007"/>
             <a:ext cx="499256" cy="499256"/>
           </a:xfrm>
           <a:prstGeom prst="ellipse">
@@ -5991,7 +6143,7 @@
         </p:nvSpPr>
         <p:spPr>
           <a:xfrm>
-            <a:off x="281585" y="10012669"/>
+            <a:off x="281585" y="10190469"/>
             <a:ext cx="524656" cy="577081"/>
           </a:xfrm>
           <a:prstGeom prst="rect">
@@ -6062,7 +6214,39 @@
                   <a:schemeClr val="bg1"/>
                 </a:solidFill>
               </a:rPr>
-              <a:t>Je recherche une alternance pour ma formation Prépa Mastère Digital, de préférence dans le web. Je m’y intéresse depuis longtemps et je cherche actuellement à me spécialiser en associant ma passion au monde du travail. </a:t>
+              <a:t>Je recherche une alternance pour ma Mastère UX Design, en tant que développeur </a:t>
+            </a:r>
+            <a:r>
+              <a:rPr lang="fr-FR" sz="1300" dirty="0" err="1">
+                <a:solidFill>
+                  <a:schemeClr val="bg1"/>
+                </a:solidFill>
+              </a:rPr>
+              <a:t>front-end</a:t>
+            </a:r>
+            <a:r>
+              <a:rPr lang="fr-FR" sz="1300" dirty="0">
+                <a:solidFill>
+                  <a:schemeClr val="bg1"/>
+                </a:solidFill>
+              </a:rPr>
+              <a:t> ou </a:t>
+            </a:r>
+            <a:r>
+              <a:rPr lang="fr-FR" sz="1300" dirty="0" err="1">
+                <a:solidFill>
+                  <a:schemeClr val="bg1"/>
+                </a:solidFill>
+              </a:rPr>
+              <a:t>back-end</a:t>
+            </a:r>
+            <a:r>
+              <a:rPr lang="fr-FR" sz="1300" dirty="0">
+                <a:solidFill>
+                  <a:schemeClr val="bg1"/>
+                </a:solidFill>
+              </a:rPr>
+              <a:t>. Je m’y intéresse depuis longtemps et je cherche actuellement à me spécialiser en associant ma passion au monde du travail. </a:t>
             </a:r>
           </a:p>
           <a:p>
@@ -6578,7 +6762,7 @@
         </p:nvSpPr>
         <p:spPr>
           <a:xfrm>
-            <a:off x="5117952" y="6841475"/>
+            <a:off x="5117952" y="6851635"/>
             <a:ext cx="1988236" cy="66741"/>
           </a:xfrm>
           <a:prstGeom prst="rect">
@@ -6630,7 +6814,7 @@
         </p:nvSpPr>
         <p:spPr>
           <a:xfrm>
-            <a:off x="5117952" y="7209874"/>
+            <a:off x="5117952" y="7214954"/>
             <a:ext cx="1608291" cy="73289"/>
           </a:xfrm>
           <a:prstGeom prst="rect">
@@ -6838,7 +7022,7 @@
         </p:nvSpPr>
         <p:spPr>
           <a:xfrm>
-            <a:off x="5115571" y="8701648"/>
+            <a:off x="5115571" y="8700233"/>
             <a:ext cx="1755617" cy="72977"/>
           </a:xfrm>
           <a:prstGeom prst="rect">
@@ -6930,7 +7114,7 @@
         </p:nvSpPr>
         <p:spPr>
           <a:xfrm>
-            <a:off x="296134" y="8729201"/>
+            <a:off x="296134" y="8536161"/>
             <a:ext cx="499256" cy="499256"/>
           </a:xfrm>
           <a:prstGeom prst="ellipse">
@@ -6984,7 +7168,7 @@
         </p:nvSpPr>
         <p:spPr>
           <a:xfrm>
-            <a:off x="299047" y="8783197"/>
+            <a:off x="288887" y="8579997"/>
             <a:ext cx="524656" cy="415498"/>
           </a:xfrm>
           <a:prstGeom prst="rect">
@@ -7005,7 +7189,7 @@
                   <a:schemeClr val="bg1"/>
                 </a:solidFill>
               </a:rPr>
-              <a:t>2020-2021</a:t>
+              <a:t>2021-2023</a:t>
             </a:r>
           </a:p>
         </p:txBody>
@@ -7169,6 +7353,100 @@
                 </a:solidFill>
               </a:rPr>
               <a:t>2021</a:t>
+            </a:r>
+          </a:p>
+        </p:txBody>
+      </p:sp>
+      <p:sp>
+        <p:nvSpPr>
+          <p:cNvPr id="61" name="Oval 35">
+            <a:extLst>
+              <a:ext uri="{FF2B5EF4-FFF2-40B4-BE49-F238E27FC236}">
+                <a16:creationId xmlns:a16="http://schemas.microsoft.com/office/drawing/2014/main" id="{68E475E3-B412-4EB0-BA96-6F1B71B02609}"/>
+              </a:ext>
+            </a:extLst>
+          </p:cNvPr>
+          <p:cNvSpPr/>
+          <p:nvPr/>
+        </p:nvSpPr>
+        <p:spPr>
+          <a:xfrm>
+            <a:off x="296134" y="9065764"/>
+            <a:ext cx="499256" cy="499256"/>
+          </a:xfrm>
+          <a:prstGeom prst="ellipse">
+            <a:avLst/>
+          </a:prstGeom>
+          <a:solidFill>
+            <a:schemeClr val="tx2"/>
+          </a:solidFill>
+          <a:ln>
+            <a:noFill/>
+          </a:ln>
+        </p:spPr>
+        <p:style>
+          <a:lnRef idx="2">
+            <a:schemeClr val="accent3"/>
+          </a:lnRef>
+          <a:fillRef idx="1">
+            <a:schemeClr val="lt1"/>
+          </a:fillRef>
+          <a:effectRef idx="0">
+            <a:schemeClr val="accent3"/>
+          </a:effectRef>
+          <a:fontRef idx="minor">
+            <a:schemeClr val="dk1"/>
+          </a:fontRef>
+        </p:style>
+        <p:txBody>
+          <a:bodyPr rtlCol="0" anchor="ctr"/>
+          <a:lstStyle/>
+          <a:p>
+            <a:pPr algn="ctr"/>
+            <a:endParaRPr lang="en-US" sz="1100">
+              <a:solidFill>
+                <a:schemeClr val="bg1"/>
+              </a:solidFill>
+            </a:endParaRPr>
+          </a:p>
+        </p:txBody>
+      </p:sp>
+      <p:sp>
+        <p:nvSpPr>
+          <p:cNvPr id="62" name="TextBox 36">
+            <a:extLst>
+              <a:ext uri="{FF2B5EF4-FFF2-40B4-BE49-F238E27FC236}">
+                <a16:creationId xmlns:a16="http://schemas.microsoft.com/office/drawing/2014/main" id="{3F3BD8E7-BD53-4341-A61A-F5F508E6FBE4}"/>
+              </a:ext>
+            </a:extLst>
+          </p:cNvPr>
+          <p:cNvSpPr txBox="1"/>
+          <p:nvPr/>
+        </p:nvSpPr>
+        <p:spPr>
+          <a:xfrm>
+            <a:off x="288887" y="9109600"/>
+            <a:ext cx="524656" cy="415498"/>
+          </a:xfrm>
+          <a:prstGeom prst="rect">
+            <a:avLst/>
+          </a:prstGeom>
+          <a:noFill/>
+        </p:spPr>
+        <p:txBody>
+          <a:bodyPr wrap="square" rtlCol="0">
+            <a:spAutoFit/>
+          </a:bodyPr>
+          <a:lstStyle/>
+          <a:p>
+            <a:pPr algn="ctr"/>
+            <a:r>
+              <a:rPr lang="en-US" sz="1050" dirty="0">
+                <a:solidFill>
+                  <a:schemeClr val="bg1"/>
+                </a:solidFill>
+              </a:rPr>
+              <a:t>2020-2021</a:t>
             </a:r>
           </a:p>
         </p:txBody>

--- a/cv.pptx
+++ b/cv.pptx
@@ -3614,7 +3614,7 @@
           <a:lstStyle/>
           <a:p>
             <a:pPr algn="ctr"/>
-            <a:endParaRPr lang="en-US"/>
+            <a:endParaRPr lang="en-US" dirty="0"/>
           </a:p>
         </p:txBody>
       </p:sp>
@@ -3716,7 +3716,7 @@
         </p:nvSpPr>
         <p:spPr>
           <a:xfrm>
-            <a:off x="1293224" y="241204"/>
+            <a:off x="1293224" y="84148"/>
             <a:ext cx="4914900" cy="923330"/>
           </a:xfrm>
           <a:prstGeom prst="rect">
@@ -6214,7 +6214,7 @@
                   <a:schemeClr val="bg1"/>
                 </a:solidFill>
               </a:rPr>
-              <a:t>Je recherche une alternance pour ma Mastère UX Design, en tant que développeur </a:t>
+              <a:t>Je recherche une alternance pour mon Mastère UX Design, en tant que développeur </a:t>
             </a:r>
             <a:r>
               <a:rPr lang="fr-FR" sz="1300" dirty="0" err="1">
@@ -7448,6 +7448,84 @@
               </a:rPr>
               <a:t>2020-2021</a:t>
             </a:r>
+          </a:p>
+        </p:txBody>
+      </p:sp>
+      <p:sp>
+        <p:nvSpPr>
+          <p:cNvPr id="2" name="ZoneTexte 1">
+            <a:extLst>
+              <a:ext uri="{FF2B5EF4-FFF2-40B4-BE49-F238E27FC236}">
+                <a16:creationId xmlns:a16="http://schemas.microsoft.com/office/drawing/2014/main" id="{37E273C8-68A4-4091-809F-4AA24D608031}"/>
+              </a:ext>
+            </a:extLst>
+          </p:cNvPr>
+          <p:cNvSpPr txBox="1"/>
+          <p:nvPr/>
+        </p:nvSpPr>
+        <p:spPr>
+          <a:xfrm>
+            <a:off x="2261643" y="921024"/>
+            <a:ext cx="3036152" cy="338554"/>
+          </a:xfrm>
+          <a:prstGeom prst="rect">
+            <a:avLst/>
+          </a:prstGeom>
+          <a:noFill/>
+        </p:spPr>
+        <p:txBody>
+          <a:bodyPr wrap="none" rtlCol="0">
+            <a:spAutoFit/>
+          </a:bodyPr>
+          <a:lstStyle/>
+          <a:p>
+            <a:r>
+              <a:rPr lang="fr-FR" sz="1600" dirty="0">
+                <a:solidFill>
+                  <a:schemeClr val="accent1">
+                    <a:lumMod val="75000"/>
+                  </a:schemeClr>
+                </a:solidFill>
+              </a:rPr>
+              <a:t>Développeur </a:t>
+            </a:r>
+            <a:r>
+              <a:rPr lang="fr-FR" sz="1600" dirty="0" err="1">
+                <a:solidFill>
+                  <a:schemeClr val="accent1">
+                    <a:lumMod val="75000"/>
+                  </a:schemeClr>
+                </a:solidFill>
+              </a:rPr>
+              <a:t>front-end</a:t>
+            </a:r>
+            <a:r>
+              <a:rPr lang="fr-FR" sz="1600" dirty="0">
+                <a:solidFill>
+                  <a:schemeClr val="accent1">
+                    <a:lumMod val="75000"/>
+                  </a:schemeClr>
+                </a:solidFill>
+              </a:rPr>
+              <a:t> / </a:t>
+            </a:r>
+            <a:r>
+              <a:rPr lang="fr-FR" sz="1600" dirty="0" err="1">
+                <a:solidFill>
+                  <a:schemeClr val="accent1">
+                    <a:lumMod val="75000"/>
+                  </a:schemeClr>
+                </a:solidFill>
+              </a:rPr>
+              <a:t>back-end</a:t>
+            </a:r>
+            <a:endParaRPr lang="fr-FR" sz="1600" dirty="0">
+              <a:solidFill>
+                <a:schemeClr val="accent1">
+                  <a:lumMod val="75000"/>
+                </a:schemeClr>
+              </a:solidFill>
+            </a:endParaRPr>
           </a:p>
         </p:txBody>
       </p:sp>
